--- a/PPT/Class period 6-Ethic2.pptx
+++ b/PPT/Class period 6-Ethic2.pptx
@@ -223,7 +223,7 @@
           <a:p>
             <a:fld id="{8CA67172-8DC0-4087-948C-658F82329A45}" type="datetimeFigureOut">
               <a:rPr lang="en-US" smtClean="0"/>
-              <a:t>5/15/2024</a:t>
+              <a:t>6/17/2024</a:t>
             </a:fld>
             <a:endParaRPr lang="en-US"/>
           </a:p>
@@ -721,7 +721,7 @@
           <a:p>
             <a:fld id="{0634D11B-66D4-4890-A4F9-6C996C0AA31F}" type="datetimeFigureOut">
               <a:rPr lang="en-US" smtClean="0"/>
-              <a:t>5/15/2024</a:t>
+              <a:t>6/17/2024</a:t>
             </a:fld>
             <a:endParaRPr lang="en-US"/>
           </a:p>
@@ -919,7 +919,7 @@
           <a:p>
             <a:fld id="{0634D11B-66D4-4890-A4F9-6C996C0AA31F}" type="datetimeFigureOut">
               <a:rPr lang="en-US" smtClean="0"/>
-              <a:t>5/15/2024</a:t>
+              <a:t>6/17/2024</a:t>
             </a:fld>
             <a:endParaRPr lang="en-US"/>
           </a:p>
@@ -1127,7 +1127,7 @@
           <a:p>
             <a:fld id="{0634D11B-66D4-4890-A4F9-6C996C0AA31F}" type="datetimeFigureOut">
               <a:rPr lang="en-US" smtClean="0"/>
-              <a:t>5/15/2024</a:t>
+              <a:t>6/17/2024</a:t>
             </a:fld>
             <a:endParaRPr lang="en-US"/>
           </a:p>
@@ -1325,7 +1325,7 @@
           <a:p>
             <a:fld id="{0634D11B-66D4-4890-A4F9-6C996C0AA31F}" type="datetimeFigureOut">
               <a:rPr lang="en-US" smtClean="0"/>
-              <a:t>5/15/2024</a:t>
+              <a:t>6/17/2024</a:t>
             </a:fld>
             <a:endParaRPr lang="en-US"/>
           </a:p>
@@ -1600,7 +1600,7 @@
           <a:p>
             <a:fld id="{0634D11B-66D4-4890-A4F9-6C996C0AA31F}" type="datetimeFigureOut">
               <a:rPr lang="en-US" smtClean="0"/>
-              <a:t>5/15/2024</a:t>
+              <a:t>6/17/2024</a:t>
             </a:fld>
             <a:endParaRPr lang="en-US"/>
           </a:p>
@@ -1865,7 +1865,7 @@
           <a:p>
             <a:fld id="{0634D11B-66D4-4890-A4F9-6C996C0AA31F}" type="datetimeFigureOut">
               <a:rPr lang="en-US" smtClean="0"/>
-              <a:t>5/15/2024</a:t>
+              <a:t>6/17/2024</a:t>
             </a:fld>
             <a:endParaRPr lang="en-US"/>
           </a:p>
@@ -2277,7 +2277,7 @@
           <a:p>
             <a:fld id="{0634D11B-66D4-4890-A4F9-6C996C0AA31F}" type="datetimeFigureOut">
               <a:rPr lang="en-US" smtClean="0"/>
-              <a:t>5/15/2024</a:t>
+              <a:t>6/17/2024</a:t>
             </a:fld>
             <a:endParaRPr lang="en-US"/>
           </a:p>
@@ -2418,7 +2418,7 @@
           <a:p>
             <a:fld id="{0634D11B-66D4-4890-A4F9-6C996C0AA31F}" type="datetimeFigureOut">
               <a:rPr lang="en-US" smtClean="0"/>
-              <a:t>5/15/2024</a:t>
+              <a:t>6/17/2024</a:t>
             </a:fld>
             <a:endParaRPr lang="en-US"/>
           </a:p>
@@ -2531,7 +2531,7 @@
           <a:p>
             <a:fld id="{0634D11B-66D4-4890-A4F9-6C996C0AA31F}" type="datetimeFigureOut">
               <a:rPr lang="en-US" smtClean="0"/>
-              <a:t>5/15/2024</a:t>
+              <a:t>6/17/2024</a:t>
             </a:fld>
             <a:endParaRPr lang="en-US"/>
           </a:p>
@@ -2842,7 +2842,7 @@
           <a:p>
             <a:fld id="{0634D11B-66D4-4890-A4F9-6C996C0AA31F}" type="datetimeFigureOut">
               <a:rPr lang="en-US" smtClean="0"/>
-              <a:t>5/15/2024</a:t>
+              <a:t>6/17/2024</a:t>
             </a:fld>
             <a:endParaRPr lang="en-US"/>
           </a:p>
@@ -3130,7 +3130,7 @@
           <a:p>
             <a:fld id="{0634D11B-66D4-4890-A4F9-6C996C0AA31F}" type="datetimeFigureOut">
               <a:rPr lang="en-US" smtClean="0"/>
-              <a:t>5/15/2024</a:t>
+              <a:t>6/17/2024</a:t>
             </a:fld>
             <a:endParaRPr lang="en-US"/>
           </a:p>
@@ -3371,7 +3371,7 @@
           <a:p>
             <a:fld id="{0634D11B-66D4-4890-A4F9-6C996C0AA31F}" type="datetimeFigureOut">
               <a:rPr lang="en-US" smtClean="0"/>
-              <a:t>5/15/2024</a:t>
+              <a:t>6/17/2024</a:t>
             </a:fld>
             <a:endParaRPr lang="en-US"/>
           </a:p>
@@ -4011,6 +4011,73 @@
           </a:p>
         </p:txBody>
       </p:sp>
+      <p:sp>
+        <p:nvSpPr>
+          <p:cNvPr id="7" name="TextBox 6">
+            <a:extLst>
+              <a:ext uri="{FF2B5EF4-FFF2-40B4-BE49-F238E27FC236}">
+                <a16:creationId xmlns:a16="http://schemas.microsoft.com/office/drawing/2014/main" id="{6804C6F2-4820-6ACE-208F-830C797DEDF8}"/>
+              </a:ext>
+            </a:extLst>
+          </p:cNvPr>
+          <p:cNvSpPr txBox="1"/>
+          <p:nvPr/>
+        </p:nvSpPr>
+        <p:spPr>
+          <a:xfrm>
+            <a:off x="114677" y="6172611"/>
+            <a:ext cx="5532120" cy="461665"/>
+          </a:xfrm>
+          <a:prstGeom prst="rect">
+            <a:avLst/>
+          </a:prstGeom>
+          <a:noFill/>
+        </p:spPr>
+        <p:txBody>
+          <a:bodyPr wrap="square">
+            <a:spAutoFit/>
+          </a:bodyPr>
+          <a:lstStyle/>
+          <a:p>
+            <a:pPr algn="l"/>
+            <a:r>
+              <a:rPr lang="th-TH" sz="2400" dirty="0">
+                <a:latin typeface="TH SarabunPSK" panose="020B0500040200020003" pitchFamily="34" charset="-34"/>
+                <a:cs typeface="TH SarabunPSK" panose="020B0500040200020003" pitchFamily="34" charset="-34"/>
+              </a:rPr>
+              <a:t>โดย ผศ</a:t>
+            </a:r>
+            <a:r>
+              <a:rPr lang="en-US" sz="2400" dirty="0">
+                <a:latin typeface="TH SarabunPSK" panose="020B0500040200020003" pitchFamily="34" charset="-34"/>
+                <a:cs typeface="TH SarabunPSK" panose="020B0500040200020003" pitchFamily="34" charset="-34"/>
+              </a:rPr>
+              <a:t>. </a:t>
+            </a:r>
+            <a:r>
+              <a:rPr lang="th-TH" sz="2400" dirty="0">
+                <a:latin typeface="TH SarabunPSK" panose="020B0500040200020003" pitchFamily="34" charset="-34"/>
+                <a:cs typeface="TH SarabunPSK" panose="020B0500040200020003" pitchFamily="34" charset="-34"/>
+              </a:rPr>
+              <a:t>ดร</a:t>
+            </a:r>
+            <a:r>
+              <a:rPr lang="en-US" sz="2400" dirty="0">
+                <a:latin typeface="TH SarabunPSK" panose="020B0500040200020003" pitchFamily="34" charset="-34"/>
+                <a:cs typeface="TH SarabunPSK" panose="020B0500040200020003" pitchFamily="34" charset="-34"/>
+              </a:rPr>
+              <a:t>.</a:t>
+            </a:r>
+            <a:r>
+              <a:rPr lang="th-TH" sz="2400" dirty="0">
+                <a:latin typeface="TH SarabunPSK" panose="020B0500040200020003" pitchFamily="34" charset="-34"/>
+                <a:cs typeface="TH SarabunPSK" panose="020B0500040200020003" pitchFamily="34" charset="-34"/>
+              </a:rPr>
+              <a:t>ธนพงศ์ อินทระ สาขาวิชาสถิติ มหาวิทยาลัยขอนแก่น </a:t>
+            </a:r>
+          </a:p>
+        </p:txBody>
+      </p:sp>
     </p:spTree>
     <p:extLst>
       <p:ext uri="{BB962C8B-B14F-4D97-AF65-F5344CB8AC3E}">
@@ -4732,6 +4799,73 @@
           </a:p>
         </p:txBody>
       </p:sp>
+      <p:sp>
+        <p:nvSpPr>
+          <p:cNvPr id="9" name="TextBox 8">
+            <a:extLst>
+              <a:ext uri="{FF2B5EF4-FFF2-40B4-BE49-F238E27FC236}">
+                <a16:creationId xmlns:a16="http://schemas.microsoft.com/office/drawing/2014/main" id="{CFE22829-CC5F-18DC-7398-35A5211199BD}"/>
+              </a:ext>
+            </a:extLst>
+          </p:cNvPr>
+          <p:cNvSpPr txBox="1"/>
+          <p:nvPr/>
+        </p:nvSpPr>
+        <p:spPr>
+          <a:xfrm>
+            <a:off x="114677" y="6172611"/>
+            <a:ext cx="5532120" cy="461665"/>
+          </a:xfrm>
+          <a:prstGeom prst="rect">
+            <a:avLst/>
+          </a:prstGeom>
+          <a:noFill/>
+        </p:spPr>
+        <p:txBody>
+          <a:bodyPr wrap="square">
+            <a:spAutoFit/>
+          </a:bodyPr>
+          <a:lstStyle/>
+          <a:p>
+            <a:pPr algn="l"/>
+            <a:r>
+              <a:rPr lang="th-TH" sz="2400" dirty="0">
+                <a:latin typeface="TH SarabunPSK" panose="020B0500040200020003" pitchFamily="34" charset="-34"/>
+                <a:cs typeface="TH SarabunPSK" panose="020B0500040200020003" pitchFamily="34" charset="-34"/>
+              </a:rPr>
+              <a:t>โดย ผศ</a:t>
+            </a:r>
+            <a:r>
+              <a:rPr lang="en-US" sz="2400" dirty="0">
+                <a:latin typeface="TH SarabunPSK" panose="020B0500040200020003" pitchFamily="34" charset="-34"/>
+                <a:cs typeface="TH SarabunPSK" panose="020B0500040200020003" pitchFamily="34" charset="-34"/>
+              </a:rPr>
+              <a:t>. </a:t>
+            </a:r>
+            <a:r>
+              <a:rPr lang="th-TH" sz="2400" dirty="0">
+                <a:latin typeface="TH SarabunPSK" panose="020B0500040200020003" pitchFamily="34" charset="-34"/>
+                <a:cs typeface="TH SarabunPSK" panose="020B0500040200020003" pitchFamily="34" charset="-34"/>
+              </a:rPr>
+              <a:t>ดร</a:t>
+            </a:r>
+            <a:r>
+              <a:rPr lang="en-US" sz="2400" dirty="0">
+                <a:latin typeface="TH SarabunPSK" panose="020B0500040200020003" pitchFamily="34" charset="-34"/>
+                <a:cs typeface="TH SarabunPSK" panose="020B0500040200020003" pitchFamily="34" charset="-34"/>
+              </a:rPr>
+              <a:t>.</a:t>
+            </a:r>
+            <a:r>
+              <a:rPr lang="th-TH" sz="2400" dirty="0">
+                <a:latin typeface="TH SarabunPSK" panose="020B0500040200020003" pitchFamily="34" charset="-34"/>
+                <a:cs typeface="TH SarabunPSK" panose="020B0500040200020003" pitchFamily="34" charset="-34"/>
+              </a:rPr>
+              <a:t>ธนพงศ์ อินทระ สาขาวิชาสถิติ มหาวิทยาลัยขอนแก่น </a:t>
+            </a:r>
+          </a:p>
+        </p:txBody>
+      </p:sp>
     </p:spTree>
     <p:extLst>
       <p:ext uri="{BB962C8B-B14F-4D97-AF65-F5344CB8AC3E}">
@@ -5361,6 +5495,73 @@
           </a:p>
         </p:txBody>
       </p:sp>
+      <p:sp>
+        <p:nvSpPr>
+          <p:cNvPr id="9" name="TextBox 8">
+            <a:extLst>
+              <a:ext uri="{FF2B5EF4-FFF2-40B4-BE49-F238E27FC236}">
+                <a16:creationId xmlns:a16="http://schemas.microsoft.com/office/drawing/2014/main" id="{F4F29BDD-D266-D96D-3A60-A6497D5F0BCE}"/>
+              </a:ext>
+            </a:extLst>
+          </p:cNvPr>
+          <p:cNvSpPr txBox="1"/>
+          <p:nvPr/>
+        </p:nvSpPr>
+        <p:spPr>
+          <a:xfrm>
+            <a:off x="114677" y="6172611"/>
+            <a:ext cx="5532120" cy="461665"/>
+          </a:xfrm>
+          <a:prstGeom prst="rect">
+            <a:avLst/>
+          </a:prstGeom>
+          <a:noFill/>
+        </p:spPr>
+        <p:txBody>
+          <a:bodyPr wrap="square">
+            <a:spAutoFit/>
+          </a:bodyPr>
+          <a:lstStyle/>
+          <a:p>
+            <a:pPr algn="l"/>
+            <a:r>
+              <a:rPr lang="th-TH" sz="2400" dirty="0">
+                <a:latin typeface="TH SarabunPSK" panose="020B0500040200020003" pitchFamily="34" charset="-34"/>
+                <a:cs typeface="TH SarabunPSK" panose="020B0500040200020003" pitchFamily="34" charset="-34"/>
+              </a:rPr>
+              <a:t>โดย ผศ</a:t>
+            </a:r>
+            <a:r>
+              <a:rPr lang="en-US" sz="2400" dirty="0">
+                <a:latin typeface="TH SarabunPSK" panose="020B0500040200020003" pitchFamily="34" charset="-34"/>
+                <a:cs typeface="TH SarabunPSK" panose="020B0500040200020003" pitchFamily="34" charset="-34"/>
+              </a:rPr>
+              <a:t>. </a:t>
+            </a:r>
+            <a:r>
+              <a:rPr lang="th-TH" sz="2400" dirty="0">
+                <a:latin typeface="TH SarabunPSK" panose="020B0500040200020003" pitchFamily="34" charset="-34"/>
+                <a:cs typeface="TH SarabunPSK" panose="020B0500040200020003" pitchFamily="34" charset="-34"/>
+              </a:rPr>
+              <a:t>ดร</a:t>
+            </a:r>
+            <a:r>
+              <a:rPr lang="en-US" sz="2400" dirty="0">
+                <a:latin typeface="TH SarabunPSK" panose="020B0500040200020003" pitchFamily="34" charset="-34"/>
+                <a:cs typeface="TH SarabunPSK" panose="020B0500040200020003" pitchFamily="34" charset="-34"/>
+              </a:rPr>
+              <a:t>.</a:t>
+            </a:r>
+            <a:r>
+              <a:rPr lang="th-TH" sz="2400" dirty="0">
+                <a:latin typeface="TH SarabunPSK" panose="020B0500040200020003" pitchFamily="34" charset="-34"/>
+                <a:cs typeface="TH SarabunPSK" panose="020B0500040200020003" pitchFamily="34" charset="-34"/>
+              </a:rPr>
+              <a:t>ธนพงศ์ อินทระ สาขาวิชาสถิติ มหาวิทยาลัยขอนแก่น </a:t>
+            </a:r>
+          </a:p>
+        </p:txBody>
+      </p:sp>
     </p:spTree>
     <p:extLst>
       <p:ext uri="{BB962C8B-B14F-4D97-AF65-F5344CB8AC3E}">
@@ -5934,6 +6135,73 @@
           </a:prstGeom>
         </p:spPr>
       </p:pic>
+      <p:sp>
+        <p:nvSpPr>
+          <p:cNvPr id="10" name="TextBox 9">
+            <a:extLst>
+              <a:ext uri="{FF2B5EF4-FFF2-40B4-BE49-F238E27FC236}">
+                <a16:creationId xmlns:a16="http://schemas.microsoft.com/office/drawing/2014/main" id="{2FA67492-D7C5-E961-5173-038036DA0B73}"/>
+              </a:ext>
+            </a:extLst>
+          </p:cNvPr>
+          <p:cNvSpPr txBox="1"/>
+          <p:nvPr/>
+        </p:nvSpPr>
+        <p:spPr>
+          <a:xfrm>
+            <a:off x="114677" y="6172611"/>
+            <a:ext cx="5532120" cy="461665"/>
+          </a:xfrm>
+          <a:prstGeom prst="rect">
+            <a:avLst/>
+          </a:prstGeom>
+          <a:noFill/>
+        </p:spPr>
+        <p:txBody>
+          <a:bodyPr wrap="square">
+            <a:spAutoFit/>
+          </a:bodyPr>
+          <a:lstStyle/>
+          <a:p>
+            <a:pPr algn="l"/>
+            <a:r>
+              <a:rPr lang="th-TH" sz="2400" dirty="0">
+                <a:latin typeface="TH SarabunPSK" panose="020B0500040200020003" pitchFamily="34" charset="-34"/>
+                <a:cs typeface="TH SarabunPSK" panose="020B0500040200020003" pitchFamily="34" charset="-34"/>
+              </a:rPr>
+              <a:t>โดย ผศ</a:t>
+            </a:r>
+            <a:r>
+              <a:rPr lang="en-US" sz="2400" dirty="0">
+                <a:latin typeface="TH SarabunPSK" panose="020B0500040200020003" pitchFamily="34" charset="-34"/>
+                <a:cs typeface="TH SarabunPSK" panose="020B0500040200020003" pitchFamily="34" charset="-34"/>
+              </a:rPr>
+              <a:t>. </a:t>
+            </a:r>
+            <a:r>
+              <a:rPr lang="th-TH" sz="2400" dirty="0">
+                <a:latin typeface="TH SarabunPSK" panose="020B0500040200020003" pitchFamily="34" charset="-34"/>
+                <a:cs typeface="TH SarabunPSK" panose="020B0500040200020003" pitchFamily="34" charset="-34"/>
+              </a:rPr>
+              <a:t>ดร</a:t>
+            </a:r>
+            <a:r>
+              <a:rPr lang="en-US" sz="2400" dirty="0">
+                <a:latin typeface="TH SarabunPSK" panose="020B0500040200020003" pitchFamily="34" charset="-34"/>
+                <a:cs typeface="TH SarabunPSK" panose="020B0500040200020003" pitchFamily="34" charset="-34"/>
+              </a:rPr>
+              <a:t>.</a:t>
+            </a:r>
+            <a:r>
+              <a:rPr lang="th-TH" sz="2400" dirty="0">
+                <a:latin typeface="TH SarabunPSK" panose="020B0500040200020003" pitchFamily="34" charset="-34"/>
+                <a:cs typeface="TH SarabunPSK" panose="020B0500040200020003" pitchFamily="34" charset="-34"/>
+              </a:rPr>
+              <a:t>ธนพงศ์ อินทระ สาขาวิชาสถิติ มหาวิทยาลัยขอนแก่น </a:t>
+            </a:r>
+          </a:p>
+        </p:txBody>
+      </p:sp>
     </p:spTree>
     <p:extLst>
       <p:ext uri="{BB962C8B-B14F-4D97-AF65-F5344CB8AC3E}">
@@ -6580,6 +6848,73 @@
           </a:p>
         </p:txBody>
       </p:sp>
+      <p:sp>
+        <p:nvSpPr>
+          <p:cNvPr id="9" name="TextBox 8">
+            <a:extLst>
+              <a:ext uri="{FF2B5EF4-FFF2-40B4-BE49-F238E27FC236}">
+                <a16:creationId xmlns:a16="http://schemas.microsoft.com/office/drawing/2014/main" id="{CA2ED467-A181-980D-4404-52A6894D3A0A}"/>
+              </a:ext>
+            </a:extLst>
+          </p:cNvPr>
+          <p:cNvSpPr txBox="1"/>
+          <p:nvPr/>
+        </p:nvSpPr>
+        <p:spPr>
+          <a:xfrm>
+            <a:off x="114677" y="6172611"/>
+            <a:ext cx="5532120" cy="461665"/>
+          </a:xfrm>
+          <a:prstGeom prst="rect">
+            <a:avLst/>
+          </a:prstGeom>
+          <a:noFill/>
+        </p:spPr>
+        <p:txBody>
+          <a:bodyPr wrap="square">
+            <a:spAutoFit/>
+          </a:bodyPr>
+          <a:lstStyle/>
+          <a:p>
+            <a:pPr algn="l"/>
+            <a:r>
+              <a:rPr lang="th-TH" sz="2400" dirty="0">
+                <a:latin typeface="TH SarabunPSK" panose="020B0500040200020003" pitchFamily="34" charset="-34"/>
+                <a:cs typeface="TH SarabunPSK" panose="020B0500040200020003" pitchFamily="34" charset="-34"/>
+              </a:rPr>
+              <a:t>โดย ผศ</a:t>
+            </a:r>
+            <a:r>
+              <a:rPr lang="en-US" sz="2400" dirty="0">
+                <a:latin typeface="TH SarabunPSK" panose="020B0500040200020003" pitchFamily="34" charset="-34"/>
+                <a:cs typeface="TH SarabunPSK" panose="020B0500040200020003" pitchFamily="34" charset="-34"/>
+              </a:rPr>
+              <a:t>. </a:t>
+            </a:r>
+            <a:r>
+              <a:rPr lang="th-TH" sz="2400" dirty="0">
+                <a:latin typeface="TH SarabunPSK" panose="020B0500040200020003" pitchFamily="34" charset="-34"/>
+                <a:cs typeface="TH SarabunPSK" panose="020B0500040200020003" pitchFamily="34" charset="-34"/>
+              </a:rPr>
+              <a:t>ดร</a:t>
+            </a:r>
+            <a:r>
+              <a:rPr lang="en-US" sz="2400" dirty="0">
+                <a:latin typeface="TH SarabunPSK" panose="020B0500040200020003" pitchFamily="34" charset="-34"/>
+                <a:cs typeface="TH SarabunPSK" panose="020B0500040200020003" pitchFamily="34" charset="-34"/>
+              </a:rPr>
+              <a:t>.</a:t>
+            </a:r>
+            <a:r>
+              <a:rPr lang="th-TH" sz="2400" dirty="0">
+                <a:latin typeface="TH SarabunPSK" panose="020B0500040200020003" pitchFamily="34" charset="-34"/>
+                <a:cs typeface="TH SarabunPSK" panose="020B0500040200020003" pitchFamily="34" charset="-34"/>
+              </a:rPr>
+              <a:t>ธนพงศ์ อินทระ สาขาวิชาสถิติ มหาวิทยาลัยขอนแก่น </a:t>
+            </a:r>
+          </a:p>
+        </p:txBody>
+      </p:sp>
     </p:spTree>
     <p:extLst>
       <p:ext uri="{BB962C8B-B14F-4D97-AF65-F5344CB8AC3E}">
@@ -7328,6 +7663,73 @@
           </a:p>
         </p:txBody>
       </p:sp>
+      <p:sp>
+        <p:nvSpPr>
+          <p:cNvPr id="9" name="TextBox 8">
+            <a:extLst>
+              <a:ext uri="{FF2B5EF4-FFF2-40B4-BE49-F238E27FC236}">
+                <a16:creationId xmlns:a16="http://schemas.microsoft.com/office/drawing/2014/main" id="{5DC6EB1D-25A3-4F46-CF18-E45A69F0A428}"/>
+              </a:ext>
+            </a:extLst>
+          </p:cNvPr>
+          <p:cNvSpPr txBox="1"/>
+          <p:nvPr/>
+        </p:nvSpPr>
+        <p:spPr>
+          <a:xfrm>
+            <a:off x="114677" y="6172611"/>
+            <a:ext cx="5532120" cy="461665"/>
+          </a:xfrm>
+          <a:prstGeom prst="rect">
+            <a:avLst/>
+          </a:prstGeom>
+          <a:noFill/>
+        </p:spPr>
+        <p:txBody>
+          <a:bodyPr wrap="square">
+            <a:spAutoFit/>
+          </a:bodyPr>
+          <a:lstStyle/>
+          <a:p>
+            <a:pPr algn="l"/>
+            <a:r>
+              <a:rPr lang="th-TH" sz="2400" dirty="0">
+                <a:latin typeface="TH SarabunPSK" panose="020B0500040200020003" pitchFamily="34" charset="-34"/>
+                <a:cs typeface="TH SarabunPSK" panose="020B0500040200020003" pitchFamily="34" charset="-34"/>
+              </a:rPr>
+              <a:t>โดย ผศ</a:t>
+            </a:r>
+            <a:r>
+              <a:rPr lang="en-US" sz="2400" dirty="0">
+                <a:latin typeface="TH SarabunPSK" panose="020B0500040200020003" pitchFamily="34" charset="-34"/>
+                <a:cs typeface="TH SarabunPSK" panose="020B0500040200020003" pitchFamily="34" charset="-34"/>
+              </a:rPr>
+              <a:t>. </a:t>
+            </a:r>
+            <a:r>
+              <a:rPr lang="th-TH" sz="2400" dirty="0">
+                <a:latin typeface="TH SarabunPSK" panose="020B0500040200020003" pitchFamily="34" charset="-34"/>
+                <a:cs typeface="TH SarabunPSK" panose="020B0500040200020003" pitchFamily="34" charset="-34"/>
+              </a:rPr>
+              <a:t>ดร</a:t>
+            </a:r>
+            <a:r>
+              <a:rPr lang="en-US" sz="2400" dirty="0">
+                <a:latin typeface="TH SarabunPSK" panose="020B0500040200020003" pitchFamily="34" charset="-34"/>
+                <a:cs typeface="TH SarabunPSK" panose="020B0500040200020003" pitchFamily="34" charset="-34"/>
+              </a:rPr>
+              <a:t>.</a:t>
+            </a:r>
+            <a:r>
+              <a:rPr lang="th-TH" sz="2400" dirty="0">
+                <a:latin typeface="TH SarabunPSK" panose="020B0500040200020003" pitchFamily="34" charset="-34"/>
+                <a:cs typeface="TH SarabunPSK" panose="020B0500040200020003" pitchFamily="34" charset="-34"/>
+              </a:rPr>
+              <a:t>ธนพงศ์ อินทระ สาขาวิชาสถิติ มหาวิทยาลัยขอนแก่น </a:t>
+            </a:r>
+          </a:p>
+        </p:txBody>
+      </p:sp>
     </p:spTree>
     <p:extLst>
       <p:ext uri="{BB962C8B-B14F-4D97-AF65-F5344CB8AC3E}">
@@ -8183,6 +8585,73 @@
           </a:prstGeom>
         </p:spPr>
       </p:pic>
+      <p:sp>
+        <p:nvSpPr>
+          <p:cNvPr id="10" name="TextBox 9">
+            <a:extLst>
+              <a:ext uri="{FF2B5EF4-FFF2-40B4-BE49-F238E27FC236}">
+                <a16:creationId xmlns:a16="http://schemas.microsoft.com/office/drawing/2014/main" id="{731010B2-C3DB-B4D3-1FF6-665A0BE31121}"/>
+              </a:ext>
+            </a:extLst>
+          </p:cNvPr>
+          <p:cNvSpPr txBox="1"/>
+          <p:nvPr/>
+        </p:nvSpPr>
+        <p:spPr>
+          <a:xfrm>
+            <a:off x="114677" y="6172611"/>
+            <a:ext cx="5532120" cy="461665"/>
+          </a:xfrm>
+          <a:prstGeom prst="rect">
+            <a:avLst/>
+          </a:prstGeom>
+          <a:noFill/>
+        </p:spPr>
+        <p:txBody>
+          <a:bodyPr wrap="square">
+            <a:spAutoFit/>
+          </a:bodyPr>
+          <a:lstStyle/>
+          <a:p>
+            <a:pPr algn="l"/>
+            <a:r>
+              <a:rPr lang="th-TH" sz="2400" dirty="0">
+                <a:latin typeface="TH SarabunPSK" panose="020B0500040200020003" pitchFamily="34" charset="-34"/>
+                <a:cs typeface="TH SarabunPSK" panose="020B0500040200020003" pitchFamily="34" charset="-34"/>
+              </a:rPr>
+              <a:t>โดย ผศ</a:t>
+            </a:r>
+            <a:r>
+              <a:rPr lang="en-US" sz="2400" dirty="0">
+                <a:latin typeface="TH SarabunPSK" panose="020B0500040200020003" pitchFamily="34" charset="-34"/>
+                <a:cs typeface="TH SarabunPSK" panose="020B0500040200020003" pitchFamily="34" charset="-34"/>
+              </a:rPr>
+              <a:t>. </a:t>
+            </a:r>
+            <a:r>
+              <a:rPr lang="th-TH" sz="2400" dirty="0">
+                <a:latin typeface="TH SarabunPSK" panose="020B0500040200020003" pitchFamily="34" charset="-34"/>
+                <a:cs typeface="TH SarabunPSK" panose="020B0500040200020003" pitchFamily="34" charset="-34"/>
+              </a:rPr>
+              <a:t>ดร</a:t>
+            </a:r>
+            <a:r>
+              <a:rPr lang="en-US" sz="2400" dirty="0">
+                <a:latin typeface="TH SarabunPSK" panose="020B0500040200020003" pitchFamily="34" charset="-34"/>
+                <a:cs typeface="TH SarabunPSK" panose="020B0500040200020003" pitchFamily="34" charset="-34"/>
+              </a:rPr>
+              <a:t>.</a:t>
+            </a:r>
+            <a:r>
+              <a:rPr lang="th-TH" sz="2400" dirty="0">
+                <a:latin typeface="TH SarabunPSK" panose="020B0500040200020003" pitchFamily="34" charset="-34"/>
+                <a:cs typeface="TH SarabunPSK" panose="020B0500040200020003" pitchFamily="34" charset="-34"/>
+              </a:rPr>
+              <a:t>ธนพงศ์ อินทระ สาขาวิชาสถิติ มหาวิทยาลัยขอนแก่น </a:t>
+            </a:r>
+          </a:p>
+        </p:txBody>
+      </p:sp>
     </p:spTree>
     <p:extLst>
       <p:ext uri="{BB962C8B-B14F-4D97-AF65-F5344CB8AC3E}">
@@ -9122,6 +9591,73 @@
           </a:p>
         </p:txBody>
       </p:sp>
+      <p:sp>
+        <p:nvSpPr>
+          <p:cNvPr id="9" name="TextBox 8">
+            <a:extLst>
+              <a:ext uri="{FF2B5EF4-FFF2-40B4-BE49-F238E27FC236}">
+                <a16:creationId xmlns:a16="http://schemas.microsoft.com/office/drawing/2014/main" id="{E2FEA310-9E23-5339-3E1C-CB4EEC272E8E}"/>
+              </a:ext>
+            </a:extLst>
+          </p:cNvPr>
+          <p:cNvSpPr txBox="1"/>
+          <p:nvPr/>
+        </p:nvSpPr>
+        <p:spPr>
+          <a:xfrm>
+            <a:off x="114677" y="6172611"/>
+            <a:ext cx="5532120" cy="461665"/>
+          </a:xfrm>
+          <a:prstGeom prst="rect">
+            <a:avLst/>
+          </a:prstGeom>
+          <a:noFill/>
+        </p:spPr>
+        <p:txBody>
+          <a:bodyPr wrap="square">
+            <a:spAutoFit/>
+          </a:bodyPr>
+          <a:lstStyle/>
+          <a:p>
+            <a:pPr algn="l"/>
+            <a:r>
+              <a:rPr lang="th-TH" sz="2400" dirty="0">
+                <a:latin typeface="TH SarabunPSK" panose="020B0500040200020003" pitchFamily="34" charset="-34"/>
+                <a:cs typeface="TH SarabunPSK" panose="020B0500040200020003" pitchFamily="34" charset="-34"/>
+              </a:rPr>
+              <a:t>โดย ผศ</a:t>
+            </a:r>
+            <a:r>
+              <a:rPr lang="en-US" sz="2400" dirty="0">
+                <a:latin typeface="TH SarabunPSK" panose="020B0500040200020003" pitchFamily="34" charset="-34"/>
+                <a:cs typeface="TH SarabunPSK" panose="020B0500040200020003" pitchFamily="34" charset="-34"/>
+              </a:rPr>
+              <a:t>. </a:t>
+            </a:r>
+            <a:r>
+              <a:rPr lang="th-TH" sz="2400" dirty="0">
+                <a:latin typeface="TH SarabunPSK" panose="020B0500040200020003" pitchFamily="34" charset="-34"/>
+                <a:cs typeface="TH SarabunPSK" panose="020B0500040200020003" pitchFamily="34" charset="-34"/>
+              </a:rPr>
+              <a:t>ดร</a:t>
+            </a:r>
+            <a:r>
+              <a:rPr lang="en-US" sz="2400" dirty="0">
+                <a:latin typeface="TH SarabunPSK" panose="020B0500040200020003" pitchFamily="34" charset="-34"/>
+                <a:cs typeface="TH SarabunPSK" panose="020B0500040200020003" pitchFamily="34" charset="-34"/>
+              </a:rPr>
+              <a:t>.</a:t>
+            </a:r>
+            <a:r>
+              <a:rPr lang="th-TH" sz="2400" dirty="0">
+                <a:latin typeface="TH SarabunPSK" panose="020B0500040200020003" pitchFamily="34" charset="-34"/>
+                <a:cs typeface="TH SarabunPSK" panose="020B0500040200020003" pitchFamily="34" charset="-34"/>
+              </a:rPr>
+              <a:t>ธนพงศ์ อินทระ สาขาวิชาสถิติ มหาวิทยาลัยขอนแก่น </a:t>
+            </a:r>
+          </a:p>
+        </p:txBody>
+      </p:sp>
     </p:spTree>
     <p:extLst>
       <p:ext uri="{BB962C8B-B14F-4D97-AF65-F5344CB8AC3E}">
@@ -9919,6 +10455,73 @@
           </a:p>
         </p:txBody>
       </p:sp>
+      <p:sp>
+        <p:nvSpPr>
+          <p:cNvPr id="9" name="TextBox 8">
+            <a:extLst>
+              <a:ext uri="{FF2B5EF4-FFF2-40B4-BE49-F238E27FC236}">
+                <a16:creationId xmlns:a16="http://schemas.microsoft.com/office/drawing/2014/main" id="{4C31AED4-C3AB-B3E4-208F-06E5E5D2B58E}"/>
+              </a:ext>
+            </a:extLst>
+          </p:cNvPr>
+          <p:cNvSpPr txBox="1"/>
+          <p:nvPr/>
+        </p:nvSpPr>
+        <p:spPr>
+          <a:xfrm>
+            <a:off x="114677" y="6172611"/>
+            <a:ext cx="5532120" cy="461665"/>
+          </a:xfrm>
+          <a:prstGeom prst="rect">
+            <a:avLst/>
+          </a:prstGeom>
+          <a:noFill/>
+        </p:spPr>
+        <p:txBody>
+          <a:bodyPr wrap="square">
+            <a:spAutoFit/>
+          </a:bodyPr>
+          <a:lstStyle/>
+          <a:p>
+            <a:pPr algn="l"/>
+            <a:r>
+              <a:rPr lang="th-TH" sz="2400" dirty="0">
+                <a:latin typeface="TH SarabunPSK" panose="020B0500040200020003" pitchFamily="34" charset="-34"/>
+                <a:cs typeface="TH SarabunPSK" panose="020B0500040200020003" pitchFamily="34" charset="-34"/>
+              </a:rPr>
+              <a:t>โดย ผศ</a:t>
+            </a:r>
+            <a:r>
+              <a:rPr lang="en-US" sz="2400" dirty="0">
+                <a:latin typeface="TH SarabunPSK" panose="020B0500040200020003" pitchFamily="34" charset="-34"/>
+                <a:cs typeface="TH SarabunPSK" panose="020B0500040200020003" pitchFamily="34" charset="-34"/>
+              </a:rPr>
+              <a:t>. </a:t>
+            </a:r>
+            <a:r>
+              <a:rPr lang="th-TH" sz="2400" dirty="0">
+                <a:latin typeface="TH SarabunPSK" panose="020B0500040200020003" pitchFamily="34" charset="-34"/>
+                <a:cs typeface="TH SarabunPSK" panose="020B0500040200020003" pitchFamily="34" charset="-34"/>
+              </a:rPr>
+              <a:t>ดร</a:t>
+            </a:r>
+            <a:r>
+              <a:rPr lang="en-US" sz="2400" dirty="0">
+                <a:latin typeface="TH SarabunPSK" panose="020B0500040200020003" pitchFamily="34" charset="-34"/>
+                <a:cs typeface="TH SarabunPSK" panose="020B0500040200020003" pitchFamily="34" charset="-34"/>
+              </a:rPr>
+              <a:t>.</a:t>
+            </a:r>
+            <a:r>
+              <a:rPr lang="th-TH" sz="2400" dirty="0">
+                <a:latin typeface="TH SarabunPSK" panose="020B0500040200020003" pitchFamily="34" charset="-34"/>
+                <a:cs typeface="TH SarabunPSK" panose="020B0500040200020003" pitchFamily="34" charset="-34"/>
+              </a:rPr>
+              <a:t>ธนพงศ์ อินทระ สาขาวิชาสถิติ มหาวิทยาลัยขอนแก่น </a:t>
+            </a:r>
+          </a:p>
+        </p:txBody>
+      </p:sp>
     </p:spTree>
     <p:extLst>
       <p:ext uri="{BB962C8B-B14F-4D97-AF65-F5344CB8AC3E}">
@@ -10688,6 +11291,73 @@
           </a:p>
         </p:txBody>
       </p:sp>
+      <p:sp>
+        <p:nvSpPr>
+          <p:cNvPr id="9" name="TextBox 8">
+            <a:extLst>
+              <a:ext uri="{FF2B5EF4-FFF2-40B4-BE49-F238E27FC236}">
+                <a16:creationId xmlns:a16="http://schemas.microsoft.com/office/drawing/2014/main" id="{930E8297-282C-4683-6D3C-FCC29DF2A3D7}"/>
+              </a:ext>
+            </a:extLst>
+          </p:cNvPr>
+          <p:cNvSpPr txBox="1"/>
+          <p:nvPr/>
+        </p:nvSpPr>
+        <p:spPr>
+          <a:xfrm>
+            <a:off x="114677" y="6172611"/>
+            <a:ext cx="5532120" cy="461665"/>
+          </a:xfrm>
+          <a:prstGeom prst="rect">
+            <a:avLst/>
+          </a:prstGeom>
+          <a:noFill/>
+        </p:spPr>
+        <p:txBody>
+          <a:bodyPr wrap="square">
+            <a:spAutoFit/>
+          </a:bodyPr>
+          <a:lstStyle/>
+          <a:p>
+            <a:pPr algn="l"/>
+            <a:r>
+              <a:rPr lang="th-TH" sz="2400" dirty="0">
+                <a:latin typeface="TH SarabunPSK" panose="020B0500040200020003" pitchFamily="34" charset="-34"/>
+                <a:cs typeface="TH SarabunPSK" panose="020B0500040200020003" pitchFamily="34" charset="-34"/>
+              </a:rPr>
+              <a:t>โดย ผศ</a:t>
+            </a:r>
+            <a:r>
+              <a:rPr lang="en-US" sz="2400" dirty="0">
+                <a:latin typeface="TH SarabunPSK" panose="020B0500040200020003" pitchFamily="34" charset="-34"/>
+                <a:cs typeface="TH SarabunPSK" panose="020B0500040200020003" pitchFamily="34" charset="-34"/>
+              </a:rPr>
+              <a:t>. </a:t>
+            </a:r>
+            <a:r>
+              <a:rPr lang="th-TH" sz="2400" dirty="0">
+                <a:latin typeface="TH SarabunPSK" panose="020B0500040200020003" pitchFamily="34" charset="-34"/>
+                <a:cs typeface="TH SarabunPSK" panose="020B0500040200020003" pitchFamily="34" charset="-34"/>
+              </a:rPr>
+              <a:t>ดร</a:t>
+            </a:r>
+            <a:r>
+              <a:rPr lang="en-US" sz="2400" dirty="0">
+                <a:latin typeface="TH SarabunPSK" panose="020B0500040200020003" pitchFamily="34" charset="-34"/>
+                <a:cs typeface="TH SarabunPSK" panose="020B0500040200020003" pitchFamily="34" charset="-34"/>
+              </a:rPr>
+              <a:t>.</a:t>
+            </a:r>
+            <a:r>
+              <a:rPr lang="th-TH" sz="2400" dirty="0">
+                <a:latin typeface="TH SarabunPSK" panose="020B0500040200020003" pitchFamily="34" charset="-34"/>
+                <a:cs typeface="TH SarabunPSK" panose="020B0500040200020003" pitchFamily="34" charset="-34"/>
+              </a:rPr>
+              <a:t>ธนพงศ์ อินทระ สาขาวิชาสถิติ มหาวิทยาลัยขอนแก่น </a:t>
+            </a:r>
+          </a:p>
+        </p:txBody>
+      </p:sp>
     </p:spTree>
     <p:extLst>
       <p:ext uri="{BB962C8B-B14F-4D97-AF65-F5344CB8AC3E}">
@@ -11630,6 +12300,73 @@
           </a:p>
         </p:txBody>
       </p:sp>
+      <p:sp>
+        <p:nvSpPr>
+          <p:cNvPr id="9" name="TextBox 8">
+            <a:extLst>
+              <a:ext uri="{FF2B5EF4-FFF2-40B4-BE49-F238E27FC236}">
+                <a16:creationId xmlns:a16="http://schemas.microsoft.com/office/drawing/2014/main" id="{26FC48D0-20CE-B52B-796A-43185156D2A1}"/>
+              </a:ext>
+            </a:extLst>
+          </p:cNvPr>
+          <p:cNvSpPr txBox="1"/>
+          <p:nvPr/>
+        </p:nvSpPr>
+        <p:spPr>
+          <a:xfrm>
+            <a:off x="114677" y="6172611"/>
+            <a:ext cx="5532120" cy="461665"/>
+          </a:xfrm>
+          <a:prstGeom prst="rect">
+            <a:avLst/>
+          </a:prstGeom>
+          <a:noFill/>
+        </p:spPr>
+        <p:txBody>
+          <a:bodyPr wrap="square">
+            <a:spAutoFit/>
+          </a:bodyPr>
+          <a:lstStyle/>
+          <a:p>
+            <a:pPr algn="l"/>
+            <a:r>
+              <a:rPr lang="th-TH" sz="2400" dirty="0">
+                <a:latin typeface="TH SarabunPSK" panose="020B0500040200020003" pitchFamily="34" charset="-34"/>
+                <a:cs typeface="TH SarabunPSK" panose="020B0500040200020003" pitchFamily="34" charset="-34"/>
+              </a:rPr>
+              <a:t>โดย ผศ</a:t>
+            </a:r>
+            <a:r>
+              <a:rPr lang="en-US" sz="2400" dirty="0">
+                <a:latin typeface="TH SarabunPSK" panose="020B0500040200020003" pitchFamily="34" charset="-34"/>
+                <a:cs typeface="TH SarabunPSK" panose="020B0500040200020003" pitchFamily="34" charset="-34"/>
+              </a:rPr>
+              <a:t>. </a:t>
+            </a:r>
+            <a:r>
+              <a:rPr lang="th-TH" sz="2400" dirty="0">
+                <a:latin typeface="TH SarabunPSK" panose="020B0500040200020003" pitchFamily="34" charset="-34"/>
+                <a:cs typeface="TH SarabunPSK" panose="020B0500040200020003" pitchFamily="34" charset="-34"/>
+              </a:rPr>
+              <a:t>ดร</a:t>
+            </a:r>
+            <a:r>
+              <a:rPr lang="en-US" sz="2400" dirty="0">
+                <a:latin typeface="TH SarabunPSK" panose="020B0500040200020003" pitchFamily="34" charset="-34"/>
+                <a:cs typeface="TH SarabunPSK" panose="020B0500040200020003" pitchFamily="34" charset="-34"/>
+              </a:rPr>
+              <a:t>.</a:t>
+            </a:r>
+            <a:r>
+              <a:rPr lang="th-TH" sz="2400" dirty="0">
+                <a:latin typeface="TH SarabunPSK" panose="020B0500040200020003" pitchFamily="34" charset="-34"/>
+                <a:cs typeface="TH SarabunPSK" panose="020B0500040200020003" pitchFamily="34" charset="-34"/>
+              </a:rPr>
+              <a:t>ธนพงศ์ อินทระ สาขาวิชาสถิติ มหาวิทยาลัยขอนแก่น </a:t>
+            </a:r>
+          </a:p>
+        </p:txBody>
+      </p:sp>
     </p:spTree>
     <p:extLst>
       <p:ext uri="{BB962C8B-B14F-4D97-AF65-F5344CB8AC3E}">
@@ -12195,6 +12932,73 @@
           </a:p>
         </p:txBody>
       </p:sp>
+      <p:sp>
+        <p:nvSpPr>
+          <p:cNvPr id="9" name="TextBox 8">
+            <a:extLst>
+              <a:ext uri="{FF2B5EF4-FFF2-40B4-BE49-F238E27FC236}">
+                <a16:creationId xmlns:a16="http://schemas.microsoft.com/office/drawing/2014/main" id="{E8960F33-11EA-D443-082C-AD3A421048E2}"/>
+              </a:ext>
+            </a:extLst>
+          </p:cNvPr>
+          <p:cNvSpPr txBox="1"/>
+          <p:nvPr/>
+        </p:nvSpPr>
+        <p:spPr>
+          <a:xfrm>
+            <a:off x="114677" y="6172611"/>
+            <a:ext cx="5532120" cy="461665"/>
+          </a:xfrm>
+          <a:prstGeom prst="rect">
+            <a:avLst/>
+          </a:prstGeom>
+          <a:noFill/>
+        </p:spPr>
+        <p:txBody>
+          <a:bodyPr wrap="square">
+            <a:spAutoFit/>
+          </a:bodyPr>
+          <a:lstStyle/>
+          <a:p>
+            <a:pPr algn="l"/>
+            <a:r>
+              <a:rPr lang="th-TH" sz="2400" dirty="0">
+                <a:latin typeface="TH SarabunPSK" panose="020B0500040200020003" pitchFamily="34" charset="-34"/>
+                <a:cs typeface="TH SarabunPSK" panose="020B0500040200020003" pitchFamily="34" charset="-34"/>
+              </a:rPr>
+              <a:t>โดย ผศ</a:t>
+            </a:r>
+            <a:r>
+              <a:rPr lang="en-US" sz="2400" dirty="0">
+                <a:latin typeface="TH SarabunPSK" panose="020B0500040200020003" pitchFamily="34" charset="-34"/>
+                <a:cs typeface="TH SarabunPSK" panose="020B0500040200020003" pitchFamily="34" charset="-34"/>
+              </a:rPr>
+              <a:t>. </a:t>
+            </a:r>
+            <a:r>
+              <a:rPr lang="th-TH" sz="2400" dirty="0">
+                <a:latin typeface="TH SarabunPSK" panose="020B0500040200020003" pitchFamily="34" charset="-34"/>
+                <a:cs typeface="TH SarabunPSK" panose="020B0500040200020003" pitchFamily="34" charset="-34"/>
+              </a:rPr>
+              <a:t>ดร</a:t>
+            </a:r>
+            <a:r>
+              <a:rPr lang="en-US" sz="2400" dirty="0">
+                <a:latin typeface="TH SarabunPSK" panose="020B0500040200020003" pitchFamily="34" charset="-34"/>
+                <a:cs typeface="TH SarabunPSK" panose="020B0500040200020003" pitchFamily="34" charset="-34"/>
+              </a:rPr>
+              <a:t>.</a:t>
+            </a:r>
+            <a:r>
+              <a:rPr lang="th-TH" sz="2400" dirty="0">
+                <a:latin typeface="TH SarabunPSK" panose="020B0500040200020003" pitchFamily="34" charset="-34"/>
+                <a:cs typeface="TH SarabunPSK" panose="020B0500040200020003" pitchFamily="34" charset="-34"/>
+              </a:rPr>
+              <a:t>ธนพงศ์ อินทระ สาขาวิชาสถิติ มหาวิทยาลัยขอนแก่น </a:t>
+            </a:r>
+          </a:p>
+        </p:txBody>
+      </p:sp>
     </p:spTree>
     <p:extLst>
       <p:ext uri="{BB962C8B-B14F-4D97-AF65-F5344CB8AC3E}">
@@ -12954,6 +13758,73 @@
           </a:p>
         </p:txBody>
       </p:sp>
+      <p:sp>
+        <p:nvSpPr>
+          <p:cNvPr id="9" name="TextBox 8">
+            <a:extLst>
+              <a:ext uri="{FF2B5EF4-FFF2-40B4-BE49-F238E27FC236}">
+                <a16:creationId xmlns:a16="http://schemas.microsoft.com/office/drawing/2014/main" id="{321B13DE-00AF-8D71-5B60-2655BF04733D}"/>
+              </a:ext>
+            </a:extLst>
+          </p:cNvPr>
+          <p:cNvSpPr txBox="1"/>
+          <p:nvPr/>
+        </p:nvSpPr>
+        <p:spPr>
+          <a:xfrm>
+            <a:off x="114677" y="6172611"/>
+            <a:ext cx="5532120" cy="461665"/>
+          </a:xfrm>
+          <a:prstGeom prst="rect">
+            <a:avLst/>
+          </a:prstGeom>
+          <a:noFill/>
+        </p:spPr>
+        <p:txBody>
+          <a:bodyPr wrap="square">
+            <a:spAutoFit/>
+          </a:bodyPr>
+          <a:lstStyle/>
+          <a:p>
+            <a:pPr algn="l"/>
+            <a:r>
+              <a:rPr lang="th-TH" sz="2400" dirty="0">
+                <a:latin typeface="TH SarabunPSK" panose="020B0500040200020003" pitchFamily="34" charset="-34"/>
+                <a:cs typeface="TH SarabunPSK" panose="020B0500040200020003" pitchFamily="34" charset="-34"/>
+              </a:rPr>
+              <a:t>โดย ผศ</a:t>
+            </a:r>
+            <a:r>
+              <a:rPr lang="en-US" sz="2400" dirty="0">
+                <a:latin typeface="TH SarabunPSK" panose="020B0500040200020003" pitchFamily="34" charset="-34"/>
+                <a:cs typeface="TH SarabunPSK" panose="020B0500040200020003" pitchFamily="34" charset="-34"/>
+              </a:rPr>
+              <a:t>. </a:t>
+            </a:r>
+            <a:r>
+              <a:rPr lang="th-TH" sz="2400" dirty="0">
+                <a:latin typeface="TH SarabunPSK" panose="020B0500040200020003" pitchFamily="34" charset="-34"/>
+                <a:cs typeface="TH SarabunPSK" panose="020B0500040200020003" pitchFamily="34" charset="-34"/>
+              </a:rPr>
+              <a:t>ดร</a:t>
+            </a:r>
+            <a:r>
+              <a:rPr lang="en-US" sz="2400" dirty="0">
+                <a:latin typeface="TH SarabunPSK" panose="020B0500040200020003" pitchFamily="34" charset="-34"/>
+                <a:cs typeface="TH SarabunPSK" panose="020B0500040200020003" pitchFamily="34" charset="-34"/>
+              </a:rPr>
+              <a:t>.</a:t>
+            </a:r>
+            <a:r>
+              <a:rPr lang="th-TH" sz="2400" dirty="0">
+                <a:latin typeface="TH SarabunPSK" panose="020B0500040200020003" pitchFamily="34" charset="-34"/>
+                <a:cs typeface="TH SarabunPSK" panose="020B0500040200020003" pitchFamily="34" charset="-34"/>
+              </a:rPr>
+              <a:t>ธนพงศ์ อินทระ สาขาวิชาสถิติ มหาวิทยาลัยขอนแก่น </a:t>
+            </a:r>
+          </a:p>
+        </p:txBody>
+      </p:sp>
     </p:spTree>
     <p:extLst>
       <p:ext uri="{BB962C8B-B14F-4D97-AF65-F5344CB8AC3E}">
@@ -13725,6 +14596,73 @@
           </a:p>
         </p:txBody>
       </p:sp>
+      <p:sp>
+        <p:nvSpPr>
+          <p:cNvPr id="9" name="TextBox 8">
+            <a:extLst>
+              <a:ext uri="{FF2B5EF4-FFF2-40B4-BE49-F238E27FC236}">
+                <a16:creationId xmlns:a16="http://schemas.microsoft.com/office/drawing/2014/main" id="{48196EF1-3EF4-F284-67FB-DC6D06C28A9C}"/>
+              </a:ext>
+            </a:extLst>
+          </p:cNvPr>
+          <p:cNvSpPr txBox="1"/>
+          <p:nvPr/>
+        </p:nvSpPr>
+        <p:spPr>
+          <a:xfrm>
+            <a:off x="114677" y="6172611"/>
+            <a:ext cx="5532120" cy="461665"/>
+          </a:xfrm>
+          <a:prstGeom prst="rect">
+            <a:avLst/>
+          </a:prstGeom>
+          <a:noFill/>
+        </p:spPr>
+        <p:txBody>
+          <a:bodyPr wrap="square">
+            <a:spAutoFit/>
+          </a:bodyPr>
+          <a:lstStyle/>
+          <a:p>
+            <a:pPr algn="l"/>
+            <a:r>
+              <a:rPr lang="th-TH" sz="2400" dirty="0">
+                <a:latin typeface="TH SarabunPSK" panose="020B0500040200020003" pitchFamily="34" charset="-34"/>
+                <a:cs typeface="TH SarabunPSK" panose="020B0500040200020003" pitchFamily="34" charset="-34"/>
+              </a:rPr>
+              <a:t>โดย ผศ</a:t>
+            </a:r>
+            <a:r>
+              <a:rPr lang="en-US" sz="2400" dirty="0">
+                <a:latin typeface="TH SarabunPSK" panose="020B0500040200020003" pitchFamily="34" charset="-34"/>
+                <a:cs typeface="TH SarabunPSK" panose="020B0500040200020003" pitchFamily="34" charset="-34"/>
+              </a:rPr>
+              <a:t>. </a:t>
+            </a:r>
+            <a:r>
+              <a:rPr lang="th-TH" sz="2400" dirty="0">
+                <a:latin typeface="TH SarabunPSK" panose="020B0500040200020003" pitchFamily="34" charset="-34"/>
+                <a:cs typeface="TH SarabunPSK" panose="020B0500040200020003" pitchFamily="34" charset="-34"/>
+              </a:rPr>
+              <a:t>ดร</a:t>
+            </a:r>
+            <a:r>
+              <a:rPr lang="en-US" sz="2400" dirty="0">
+                <a:latin typeface="TH SarabunPSK" panose="020B0500040200020003" pitchFamily="34" charset="-34"/>
+                <a:cs typeface="TH SarabunPSK" panose="020B0500040200020003" pitchFamily="34" charset="-34"/>
+              </a:rPr>
+              <a:t>.</a:t>
+            </a:r>
+            <a:r>
+              <a:rPr lang="th-TH" sz="2400" dirty="0">
+                <a:latin typeface="TH SarabunPSK" panose="020B0500040200020003" pitchFamily="34" charset="-34"/>
+                <a:cs typeface="TH SarabunPSK" panose="020B0500040200020003" pitchFamily="34" charset="-34"/>
+              </a:rPr>
+              <a:t>ธนพงศ์ อินทระ สาขาวิชาสถิติ มหาวิทยาลัยขอนแก่น </a:t>
+            </a:r>
+          </a:p>
+        </p:txBody>
+      </p:sp>
     </p:spTree>
     <p:extLst>
       <p:ext uri="{BB962C8B-B14F-4D97-AF65-F5344CB8AC3E}">
@@ -14262,6 +15200,73 @@
           </a:prstGeom>
         </p:spPr>
       </p:pic>
+      <p:sp>
+        <p:nvSpPr>
+          <p:cNvPr id="9" name="TextBox 8">
+            <a:extLst>
+              <a:ext uri="{FF2B5EF4-FFF2-40B4-BE49-F238E27FC236}">
+                <a16:creationId xmlns:a16="http://schemas.microsoft.com/office/drawing/2014/main" id="{821DB3B7-8B45-C7C4-59C3-3D104EFBFACE}"/>
+              </a:ext>
+            </a:extLst>
+          </p:cNvPr>
+          <p:cNvSpPr txBox="1"/>
+          <p:nvPr/>
+        </p:nvSpPr>
+        <p:spPr>
+          <a:xfrm>
+            <a:off x="114677" y="6172611"/>
+            <a:ext cx="5532120" cy="461665"/>
+          </a:xfrm>
+          <a:prstGeom prst="rect">
+            <a:avLst/>
+          </a:prstGeom>
+          <a:noFill/>
+        </p:spPr>
+        <p:txBody>
+          <a:bodyPr wrap="square">
+            <a:spAutoFit/>
+          </a:bodyPr>
+          <a:lstStyle/>
+          <a:p>
+            <a:pPr algn="l"/>
+            <a:r>
+              <a:rPr lang="th-TH" sz="2400" dirty="0">
+                <a:latin typeface="TH SarabunPSK" panose="020B0500040200020003" pitchFamily="34" charset="-34"/>
+                <a:cs typeface="TH SarabunPSK" panose="020B0500040200020003" pitchFamily="34" charset="-34"/>
+              </a:rPr>
+              <a:t>โดย ผศ</a:t>
+            </a:r>
+            <a:r>
+              <a:rPr lang="en-US" sz="2400" dirty="0">
+                <a:latin typeface="TH SarabunPSK" panose="020B0500040200020003" pitchFamily="34" charset="-34"/>
+                <a:cs typeface="TH SarabunPSK" panose="020B0500040200020003" pitchFamily="34" charset="-34"/>
+              </a:rPr>
+              <a:t>. </a:t>
+            </a:r>
+            <a:r>
+              <a:rPr lang="th-TH" sz="2400" dirty="0">
+                <a:latin typeface="TH SarabunPSK" panose="020B0500040200020003" pitchFamily="34" charset="-34"/>
+                <a:cs typeface="TH SarabunPSK" panose="020B0500040200020003" pitchFamily="34" charset="-34"/>
+              </a:rPr>
+              <a:t>ดร</a:t>
+            </a:r>
+            <a:r>
+              <a:rPr lang="en-US" sz="2400" dirty="0">
+                <a:latin typeface="TH SarabunPSK" panose="020B0500040200020003" pitchFamily="34" charset="-34"/>
+                <a:cs typeface="TH SarabunPSK" panose="020B0500040200020003" pitchFamily="34" charset="-34"/>
+              </a:rPr>
+              <a:t>.</a:t>
+            </a:r>
+            <a:r>
+              <a:rPr lang="th-TH" sz="2400" dirty="0">
+                <a:latin typeface="TH SarabunPSK" panose="020B0500040200020003" pitchFamily="34" charset="-34"/>
+                <a:cs typeface="TH SarabunPSK" panose="020B0500040200020003" pitchFamily="34" charset="-34"/>
+              </a:rPr>
+              <a:t>ธนพงศ์ อินทระ สาขาวิชาสถิติ มหาวิทยาลัยขอนแก่น </a:t>
+            </a:r>
+          </a:p>
+        </p:txBody>
+      </p:sp>
     </p:spTree>
     <p:extLst>
       <p:ext uri="{BB962C8B-B14F-4D97-AF65-F5344CB8AC3E}">
@@ -14828,6 +15833,73 @@
           </a:prstGeom>
         </p:spPr>
       </p:pic>
+      <p:sp>
+        <p:nvSpPr>
+          <p:cNvPr id="9" name="TextBox 8">
+            <a:extLst>
+              <a:ext uri="{FF2B5EF4-FFF2-40B4-BE49-F238E27FC236}">
+                <a16:creationId xmlns:a16="http://schemas.microsoft.com/office/drawing/2014/main" id="{490C4DD1-D035-04FA-E4AF-CCBC07026C4B}"/>
+              </a:ext>
+            </a:extLst>
+          </p:cNvPr>
+          <p:cNvSpPr txBox="1"/>
+          <p:nvPr/>
+        </p:nvSpPr>
+        <p:spPr>
+          <a:xfrm>
+            <a:off x="114677" y="6172611"/>
+            <a:ext cx="5532120" cy="461665"/>
+          </a:xfrm>
+          <a:prstGeom prst="rect">
+            <a:avLst/>
+          </a:prstGeom>
+          <a:noFill/>
+        </p:spPr>
+        <p:txBody>
+          <a:bodyPr wrap="square">
+            <a:spAutoFit/>
+          </a:bodyPr>
+          <a:lstStyle/>
+          <a:p>
+            <a:pPr algn="l"/>
+            <a:r>
+              <a:rPr lang="th-TH" sz="2400" dirty="0">
+                <a:latin typeface="TH SarabunPSK" panose="020B0500040200020003" pitchFamily="34" charset="-34"/>
+                <a:cs typeface="TH SarabunPSK" panose="020B0500040200020003" pitchFamily="34" charset="-34"/>
+              </a:rPr>
+              <a:t>โดย ผศ</a:t>
+            </a:r>
+            <a:r>
+              <a:rPr lang="en-US" sz="2400" dirty="0">
+                <a:latin typeface="TH SarabunPSK" panose="020B0500040200020003" pitchFamily="34" charset="-34"/>
+                <a:cs typeface="TH SarabunPSK" panose="020B0500040200020003" pitchFamily="34" charset="-34"/>
+              </a:rPr>
+              <a:t>. </a:t>
+            </a:r>
+            <a:r>
+              <a:rPr lang="th-TH" sz="2400" dirty="0">
+                <a:latin typeface="TH SarabunPSK" panose="020B0500040200020003" pitchFamily="34" charset="-34"/>
+                <a:cs typeface="TH SarabunPSK" panose="020B0500040200020003" pitchFamily="34" charset="-34"/>
+              </a:rPr>
+              <a:t>ดร</a:t>
+            </a:r>
+            <a:r>
+              <a:rPr lang="en-US" sz="2400" dirty="0">
+                <a:latin typeface="TH SarabunPSK" panose="020B0500040200020003" pitchFamily="34" charset="-34"/>
+                <a:cs typeface="TH SarabunPSK" panose="020B0500040200020003" pitchFamily="34" charset="-34"/>
+              </a:rPr>
+              <a:t>.</a:t>
+            </a:r>
+            <a:r>
+              <a:rPr lang="th-TH" sz="2400" dirty="0">
+                <a:latin typeface="TH SarabunPSK" panose="020B0500040200020003" pitchFamily="34" charset="-34"/>
+                <a:cs typeface="TH SarabunPSK" panose="020B0500040200020003" pitchFamily="34" charset="-34"/>
+              </a:rPr>
+              <a:t>ธนพงศ์ อินทระ สาขาวิชาสถิติ มหาวิทยาลัยขอนแก่น </a:t>
+            </a:r>
+          </a:p>
+        </p:txBody>
+      </p:sp>
     </p:spTree>
     <p:extLst>
       <p:ext uri="{BB962C8B-B14F-4D97-AF65-F5344CB8AC3E}">
@@ -15359,6 +16431,73 @@
           </a:p>
         </p:txBody>
       </p:sp>
+      <p:sp>
+        <p:nvSpPr>
+          <p:cNvPr id="9" name="TextBox 8">
+            <a:extLst>
+              <a:ext uri="{FF2B5EF4-FFF2-40B4-BE49-F238E27FC236}">
+                <a16:creationId xmlns:a16="http://schemas.microsoft.com/office/drawing/2014/main" id="{EB1518A4-E826-A095-47DD-9E2DE11FE1F8}"/>
+              </a:ext>
+            </a:extLst>
+          </p:cNvPr>
+          <p:cNvSpPr txBox="1"/>
+          <p:nvPr/>
+        </p:nvSpPr>
+        <p:spPr>
+          <a:xfrm>
+            <a:off x="114677" y="6172611"/>
+            <a:ext cx="5532120" cy="461665"/>
+          </a:xfrm>
+          <a:prstGeom prst="rect">
+            <a:avLst/>
+          </a:prstGeom>
+          <a:noFill/>
+        </p:spPr>
+        <p:txBody>
+          <a:bodyPr wrap="square">
+            <a:spAutoFit/>
+          </a:bodyPr>
+          <a:lstStyle/>
+          <a:p>
+            <a:pPr algn="l"/>
+            <a:r>
+              <a:rPr lang="th-TH" sz="2400" dirty="0">
+                <a:latin typeface="TH SarabunPSK" panose="020B0500040200020003" pitchFamily="34" charset="-34"/>
+                <a:cs typeface="TH SarabunPSK" panose="020B0500040200020003" pitchFamily="34" charset="-34"/>
+              </a:rPr>
+              <a:t>โดย ผศ</a:t>
+            </a:r>
+            <a:r>
+              <a:rPr lang="en-US" sz="2400" dirty="0">
+                <a:latin typeface="TH SarabunPSK" panose="020B0500040200020003" pitchFamily="34" charset="-34"/>
+                <a:cs typeface="TH SarabunPSK" panose="020B0500040200020003" pitchFamily="34" charset="-34"/>
+              </a:rPr>
+              <a:t>. </a:t>
+            </a:r>
+            <a:r>
+              <a:rPr lang="th-TH" sz="2400" dirty="0">
+                <a:latin typeface="TH SarabunPSK" panose="020B0500040200020003" pitchFamily="34" charset="-34"/>
+                <a:cs typeface="TH SarabunPSK" panose="020B0500040200020003" pitchFamily="34" charset="-34"/>
+              </a:rPr>
+              <a:t>ดร</a:t>
+            </a:r>
+            <a:r>
+              <a:rPr lang="en-US" sz="2400" dirty="0">
+                <a:latin typeface="TH SarabunPSK" panose="020B0500040200020003" pitchFamily="34" charset="-34"/>
+                <a:cs typeface="TH SarabunPSK" panose="020B0500040200020003" pitchFamily="34" charset="-34"/>
+              </a:rPr>
+              <a:t>.</a:t>
+            </a:r>
+            <a:r>
+              <a:rPr lang="th-TH" sz="2400" dirty="0">
+                <a:latin typeface="TH SarabunPSK" panose="020B0500040200020003" pitchFamily="34" charset="-34"/>
+                <a:cs typeface="TH SarabunPSK" panose="020B0500040200020003" pitchFamily="34" charset="-34"/>
+              </a:rPr>
+              <a:t>ธนพงศ์ อินทระ สาขาวิชาสถิติ มหาวิทยาลัยขอนแก่น </a:t>
+            </a:r>
+          </a:p>
+        </p:txBody>
+      </p:sp>
     </p:spTree>
     <p:extLst>
       <p:ext uri="{BB962C8B-B14F-4D97-AF65-F5344CB8AC3E}">
@@ -15915,6 +17054,73 @@
           </a:prstGeom>
         </p:spPr>
       </p:pic>
+      <p:sp>
+        <p:nvSpPr>
+          <p:cNvPr id="9" name="TextBox 8">
+            <a:extLst>
+              <a:ext uri="{FF2B5EF4-FFF2-40B4-BE49-F238E27FC236}">
+                <a16:creationId xmlns:a16="http://schemas.microsoft.com/office/drawing/2014/main" id="{847E95A8-1151-BD4D-99C3-4382E898C41F}"/>
+              </a:ext>
+            </a:extLst>
+          </p:cNvPr>
+          <p:cNvSpPr txBox="1"/>
+          <p:nvPr/>
+        </p:nvSpPr>
+        <p:spPr>
+          <a:xfrm>
+            <a:off x="114677" y="6172611"/>
+            <a:ext cx="5532120" cy="461665"/>
+          </a:xfrm>
+          <a:prstGeom prst="rect">
+            <a:avLst/>
+          </a:prstGeom>
+          <a:noFill/>
+        </p:spPr>
+        <p:txBody>
+          <a:bodyPr wrap="square">
+            <a:spAutoFit/>
+          </a:bodyPr>
+          <a:lstStyle/>
+          <a:p>
+            <a:pPr algn="l"/>
+            <a:r>
+              <a:rPr lang="th-TH" sz="2400" dirty="0">
+                <a:latin typeface="TH SarabunPSK" panose="020B0500040200020003" pitchFamily="34" charset="-34"/>
+                <a:cs typeface="TH SarabunPSK" panose="020B0500040200020003" pitchFamily="34" charset="-34"/>
+              </a:rPr>
+              <a:t>โดย ผศ</a:t>
+            </a:r>
+            <a:r>
+              <a:rPr lang="en-US" sz="2400" dirty="0">
+                <a:latin typeface="TH SarabunPSK" panose="020B0500040200020003" pitchFamily="34" charset="-34"/>
+                <a:cs typeface="TH SarabunPSK" panose="020B0500040200020003" pitchFamily="34" charset="-34"/>
+              </a:rPr>
+              <a:t>. </a:t>
+            </a:r>
+            <a:r>
+              <a:rPr lang="th-TH" sz="2400" dirty="0">
+                <a:latin typeface="TH SarabunPSK" panose="020B0500040200020003" pitchFamily="34" charset="-34"/>
+                <a:cs typeface="TH SarabunPSK" panose="020B0500040200020003" pitchFamily="34" charset="-34"/>
+              </a:rPr>
+              <a:t>ดร</a:t>
+            </a:r>
+            <a:r>
+              <a:rPr lang="en-US" sz="2400" dirty="0">
+                <a:latin typeface="TH SarabunPSK" panose="020B0500040200020003" pitchFamily="34" charset="-34"/>
+                <a:cs typeface="TH SarabunPSK" panose="020B0500040200020003" pitchFamily="34" charset="-34"/>
+              </a:rPr>
+              <a:t>.</a:t>
+            </a:r>
+            <a:r>
+              <a:rPr lang="th-TH" sz="2400" dirty="0">
+                <a:latin typeface="TH SarabunPSK" panose="020B0500040200020003" pitchFamily="34" charset="-34"/>
+                <a:cs typeface="TH SarabunPSK" panose="020B0500040200020003" pitchFamily="34" charset="-34"/>
+              </a:rPr>
+              <a:t>ธนพงศ์ อินทระ สาขาวิชาสถิติ มหาวิทยาลัยขอนแก่น </a:t>
+            </a:r>
+          </a:p>
+        </p:txBody>
+      </p:sp>
     </p:spTree>
     <p:extLst>
       <p:ext uri="{BB962C8B-B14F-4D97-AF65-F5344CB8AC3E}">
@@ -16469,6 +17675,73 @@
           </a:p>
         </p:txBody>
       </p:sp>
+      <p:sp>
+        <p:nvSpPr>
+          <p:cNvPr id="9" name="TextBox 8">
+            <a:extLst>
+              <a:ext uri="{FF2B5EF4-FFF2-40B4-BE49-F238E27FC236}">
+                <a16:creationId xmlns:a16="http://schemas.microsoft.com/office/drawing/2014/main" id="{96148694-861E-DC00-26B8-F9DE7643AEB3}"/>
+              </a:ext>
+            </a:extLst>
+          </p:cNvPr>
+          <p:cNvSpPr txBox="1"/>
+          <p:nvPr/>
+        </p:nvSpPr>
+        <p:spPr>
+          <a:xfrm>
+            <a:off x="114677" y="6172611"/>
+            <a:ext cx="5532120" cy="461665"/>
+          </a:xfrm>
+          <a:prstGeom prst="rect">
+            <a:avLst/>
+          </a:prstGeom>
+          <a:noFill/>
+        </p:spPr>
+        <p:txBody>
+          <a:bodyPr wrap="square">
+            <a:spAutoFit/>
+          </a:bodyPr>
+          <a:lstStyle/>
+          <a:p>
+            <a:pPr algn="l"/>
+            <a:r>
+              <a:rPr lang="th-TH" sz="2400" dirty="0">
+                <a:latin typeface="TH SarabunPSK" panose="020B0500040200020003" pitchFamily="34" charset="-34"/>
+                <a:cs typeface="TH SarabunPSK" panose="020B0500040200020003" pitchFamily="34" charset="-34"/>
+              </a:rPr>
+              <a:t>โดย ผศ</a:t>
+            </a:r>
+            <a:r>
+              <a:rPr lang="en-US" sz="2400" dirty="0">
+                <a:latin typeface="TH SarabunPSK" panose="020B0500040200020003" pitchFamily="34" charset="-34"/>
+                <a:cs typeface="TH SarabunPSK" panose="020B0500040200020003" pitchFamily="34" charset="-34"/>
+              </a:rPr>
+              <a:t>. </a:t>
+            </a:r>
+            <a:r>
+              <a:rPr lang="th-TH" sz="2400" dirty="0">
+                <a:latin typeface="TH SarabunPSK" panose="020B0500040200020003" pitchFamily="34" charset="-34"/>
+                <a:cs typeface="TH SarabunPSK" panose="020B0500040200020003" pitchFamily="34" charset="-34"/>
+              </a:rPr>
+              <a:t>ดร</a:t>
+            </a:r>
+            <a:r>
+              <a:rPr lang="en-US" sz="2400" dirty="0">
+                <a:latin typeface="TH SarabunPSK" panose="020B0500040200020003" pitchFamily="34" charset="-34"/>
+                <a:cs typeface="TH SarabunPSK" panose="020B0500040200020003" pitchFamily="34" charset="-34"/>
+              </a:rPr>
+              <a:t>.</a:t>
+            </a:r>
+            <a:r>
+              <a:rPr lang="th-TH" sz="2400" dirty="0">
+                <a:latin typeface="TH SarabunPSK" panose="020B0500040200020003" pitchFamily="34" charset="-34"/>
+                <a:cs typeface="TH SarabunPSK" panose="020B0500040200020003" pitchFamily="34" charset="-34"/>
+              </a:rPr>
+              <a:t>ธนพงศ์ อินทระ สาขาวิชาสถิติ มหาวิทยาลัยขอนแก่น </a:t>
+            </a:r>
+          </a:p>
+        </p:txBody>
+      </p:sp>
     </p:spTree>
     <p:extLst>
       <p:ext uri="{BB962C8B-B14F-4D97-AF65-F5344CB8AC3E}">
@@ -16974,6 +18247,73 @@
           </a:p>
         </p:txBody>
       </p:sp>
+      <p:sp>
+        <p:nvSpPr>
+          <p:cNvPr id="9" name="TextBox 8">
+            <a:extLst>
+              <a:ext uri="{FF2B5EF4-FFF2-40B4-BE49-F238E27FC236}">
+                <a16:creationId xmlns:a16="http://schemas.microsoft.com/office/drawing/2014/main" id="{5D89D3D4-BF56-0B46-E9C9-F39C6E4645CA}"/>
+              </a:ext>
+            </a:extLst>
+          </p:cNvPr>
+          <p:cNvSpPr txBox="1"/>
+          <p:nvPr/>
+        </p:nvSpPr>
+        <p:spPr>
+          <a:xfrm>
+            <a:off x="114677" y="6172611"/>
+            <a:ext cx="5532120" cy="461665"/>
+          </a:xfrm>
+          <a:prstGeom prst="rect">
+            <a:avLst/>
+          </a:prstGeom>
+          <a:noFill/>
+        </p:spPr>
+        <p:txBody>
+          <a:bodyPr wrap="square">
+            <a:spAutoFit/>
+          </a:bodyPr>
+          <a:lstStyle/>
+          <a:p>
+            <a:pPr algn="l"/>
+            <a:r>
+              <a:rPr lang="th-TH" sz="2400" dirty="0">
+                <a:latin typeface="TH SarabunPSK" panose="020B0500040200020003" pitchFamily="34" charset="-34"/>
+                <a:cs typeface="TH SarabunPSK" panose="020B0500040200020003" pitchFamily="34" charset="-34"/>
+              </a:rPr>
+              <a:t>โดย ผศ</a:t>
+            </a:r>
+            <a:r>
+              <a:rPr lang="en-US" sz="2400" dirty="0">
+                <a:latin typeface="TH SarabunPSK" panose="020B0500040200020003" pitchFamily="34" charset="-34"/>
+                <a:cs typeface="TH SarabunPSK" panose="020B0500040200020003" pitchFamily="34" charset="-34"/>
+              </a:rPr>
+              <a:t>. </a:t>
+            </a:r>
+            <a:r>
+              <a:rPr lang="th-TH" sz="2400" dirty="0">
+                <a:latin typeface="TH SarabunPSK" panose="020B0500040200020003" pitchFamily="34" charset="-34"/>
+                <a:cs typeface="TH SarabunPSK" panose="020B0500040200020003" pitchFamily="34" charset="-34"/>
+              </a:rPr>
+              <a:t>ดร</a:t>
+            </a:r>
+            <a:r>
+              <a:rPr lang="en-US" sz="2400" dirty="0">
+                <a:latin typeface="TH SarabunPSK" panose="020B0500040200020003" pitchFamily="34" charset="-34"/>
+                <a:cs typeface="TH SarabunPSK" panose="020B0500040200020003" pitchFamily="34" charset="-34"/>
+              </a:rPr>
+              <a:t>.</a:t>
+            </a:r>
+            <a:r>
+              <a:rPr lang="th-TH" sz="2400" dirty="0">
+                <a:latin typeface="TH SarabunPSK" panose="020B0500040200020003" pitchFamily="34" charset="-34"/>
+                <a:cs typeface="TH SarabunPSK" panose="020B0500040200020003" pitchFamily="34" charset="-34"/>
+              </a:rPr>
+              <a:t>ธนพงศ์ อินทระ สาขาวิชาสถิติ มหาวิทยาลัยขอนแก่น </a:t>
+            </a:r>
+          </a:p>
+        </p:txBody>
+      </p:sp>
     </p:spTree>
     <p:extLst>
       <p:ext uri="{BB962C8B-B14F-4D97-AF65-F5344CB8AC3E}">
@@ -17663,6 +19003,73 @@
           </a:p>
         </p:txBody>
       </p:sp>
+      <p:sp>
+        <p:nvSpPr>
+          <p:cNvPr id="13" name="TextBox 12">
+            <a:extLst>
+              <a:ext uri="{FF2B5EF4-FFF2-40B4-BE49-F238E27FC236}">
+                <a16:creationId xmlns:a16="http://schemas.microsoft.com/office/drawing/2014/main" id="{73061AE0-5B2C-5A6A-855A-683B34ED7144}"/>
+              </a:ext>
+            </a:extLst>
+          </p:cNvPr>
+          <p:cNvSpPr txBox="1"/>
+          <p:nvPr/>
+        </p:nvSpPr>
+        <p:spPr>
+          <a:xfrm>
+            <a:off x="114677" y="6172611"/>
+            <a:ext cx="5532120" cy="461665"/>
+          </a:xfrm>
+          <a:prstGeom prst="rect">
+            <a:avLst/>
+          </a:prstGeom>
+          <a:noFill/>
+        </p:spPr>
+        <p:txBody>
+          <a:bodyPr wrap="square">
+            <a:spAutoFit/>
+          </a:bodyPr>
+          <a:lstStyle/>
+          <a:p>
+            <a:pPr algn="l"/>
+            <a:r>
+              <a:rPr lang="th-TH" sz="2400" dirty="0">
+                <a:latin typeface="TH SarabunPSK" panose="020B0500040200020003" pitchFamily="34" charset="-34"/>
+                <a:cs typeface="TH SarabunPSK" panose="020B0500040200020003" pitchFamily="34" charset="-34"/>
+              </a:rPr>
+              <a:t>โดย ผศ</a:t>
+            </a:r>
+            <a:r>
+              <a:rPr lang="en-US" sz="2400" dirty="0">
+                <a:latin typeface="TH SarabunPSK" panose="020B0500040200020003" pitchFamily="34" charset="-34"/>
+                <a:cs typeface="TH SarabunPSK" panose="020B0500040200020003" pitchFamily="34" charset="-34"/>
+              </a:rPr>
+              <a:t>. </a:t>
+            </a:r>
+            <a:r>
+              <a:rPr lang="th-TH" sz="2400" dirty="0">
+                <a:latin typeface="TH SarabunPSK" panose="020B0500040200020003" pitchFamily="34" charset="-34"/>
+                <a:cs typeface="TH SarabunPSK" panose="020B0500040200020003" pitchFamily="34" charset="-34"/>
+              </a:rPr>
+              <a:t>ดร</a:t>
+            </a:r>
+            <a:r>
+              <a:rPr lang="en-US" sz="2400" dirty="0">
+                <a:latin typeface="TH SarabunPSK" panose="020B0500040200020003" pitchFamily="34" charset="-34"/>
+                <a:cs typeface="TH SarabunPSK" panose="020B0500040200020003" pitchFamily="34" charset="-34"/>
+              </a:rPr>
+              <a:t>.</a:t>
+            </a:r>
+            <a:r>
+              <a:rPr lang="th-TH" sz="2400" dirty="0">
+                <a:latin typeface="TH SarabunPSK" panose="020B0500040200020003" pitchFamily="34" charset="-34"/>
+                <a:cs typeface="TH SarabunPSK" panose="020B0500040200020003" pitchFamily="34" charset="-34"/>
+              </a:rPr>
+              <a:t>ธนพงศ์ อินทระ สาขาวิชาสถิติ มหาวิทยาลัยขอนแก่น </a:t>
+            </a:r>
+          </a:p>
+        </p:txBody>
+      </p:sp>
     </p:spTree>
     <p:extLst>
       <p:ext uri="{BB962C8B-B14F-4D97-AF65-F5344CB8AC3E}">
@@ -18667,6 +20074,73 @@
           </a:prstGeom>
         </p:spPr>
       </p:pic>
+      <p:sp>
+        <p:nvSpPr>
+          <p:cNvPr id="11" name="TextBox 10">
+            <a:extLst>
+              <a:ext uri="{FF2B5EF4-FFF2-40B4-BE49-F238E27FC236}">
+                <a16:creationId xmlns:a16="http://schemas.microsoft.com/office/drawing/2014/main" id="{DCC830CE-F7E2-1EEF-CF7C-9520B49615BF}"/>
+              </a:ext>
+            </a:extLst>
+          </p:cNvPr>
+          <p:cNvSpPr txBox="1"/>
+          <p:nvPr/>
+        </p:nvSpPr>
+        <p:spPr>
+          <a:xfrm>
+            <a:off x="114677" y="6172611"/>
+            <a:ext cx="5532120" cy="461665"/>
+          </a:xfrm>
+          <a:prstGeom prst="rect">
+            <a:avLst/>
+          </a:prstGeom>
+          <a:noFill/>
+        </p:spPr>
+        <p:txBody>
+          <a:bodyPr wrap="square">
+            <a:spAutoFit/>
+          </a:bodyPr>
+          <a:lstStyle/>
+          <a:p>
+            <a:pPr algn="l"/>
+            <a:r>
+              <a:rPr lang="th-TH" sz="2400" dirty="0">
+                <a:latin typeface="TH SarabunPSK" panose="020B0500040200020003" pitchFamily="34" charset="-34"/>
+                <a:cs typeface="TH SarabunPSK" panose="020B0500040200020003" pitchFamily="34" charset="-34"/>
+              </a:rPr>
+              <a:t>โดย ผศ</a:t>
+            </a:r>
+            <a:r>
+              <a:rPr lang="en-US" sz="2400" dirty="0">
+                <a:latin typeface="TH SarabunPSK" panose="020B0500040200020003" pitchFamily="34" charset="-34"/>
+                <a:cs typeface="TH SarabunPSK" panose="020B0500040200020003" pitchFamily="34" charset="-34"/>
+              </a:rPr>
+              <a:t>. </a:t>
+            </a:r>
+            <a:r>
+              <a:rPr lang="th-TH" sz="2400" dirty="0">
+                <a:latin typeface="TH SarabunPSK" panose="020B0500040200020003" pitchFamily="34" charset="-34"/>
+                <a:cs typeface="TH SarabunPSK" panose="020B0500040200020003" pitchFamily="34" charset="-34"/>
+              </a:rPr>
+              <a:t>ดร</a:t>
+            </a:r>
+            <a:r>
+              <a:rPr lang="en-US" sz="2400" dirty="0">
+                <a:latin typeface="TH SarabunPSK" panose="020B0500040200020003" pitchFamily="34" charset="-34"/>
+                <a:cs typeface="TH SarabunPSK" panose="020B0500040200020003" pitchFamily="34" charset="-34"/>
+              </a:rPr>
+              <a:t>.</a:t>
+            </a:r>
+            <a:r>
+              <a:rPr lang="th-TH" sz="2400" dirty="0">
+                <a:latin typeface="TH SarabunPSK" panose="020B0500040200020003" pitchFamily="34" charset="-34"/>
+                <a:cs typeface="TH SarabunPSK" panose="020B0500040200020003" pitchFamily="34" charset="-34"/>
+              </a:rPr>
+              <a:t>ธนพงศ์ อินทระ สาขาวิชาสถิติ มหาวิทยาลัยขอนแก่น </a:t>
+            </a:r>
+          </a:p>
+        </p:txBody>
+      </p:sp>
     </p:spTree>
     <p:extLst>
       <p:ext uri="{BB962C8B-B14F-4D97-AF65-F5344CB8AC3E}">
@@ -19403,6 +20877,73 @@
           </a:p>
         </p:txBody>
       </p:sp>
+      <p:sp>
+        <p:nvSpPr>
+          <p:cNvPr id="9" name="TextBox 8">
+            <a:extLst>
+              <a:ext uri="{FF2B5EF4-FFF2-40B4-BE49-F238E27FC236}">
+                <a16:creationId xmlns:a16="http://schemas.microsoft.com/office/drawing/2014/main" id="{96CF6458-E5A9-B4B3-4F09-327137EA2291}"/>
+              </a:ext>
+            </a:extLst>
+          </p:cNvPr>
+          <p:cNvSpPr txBox="1"/>
+          <p:nvPr/>
+        </p:nvSpPr>
+        <p:spPr>
+          <a:xfrm>
+            <a:off x="114677" y="6172611"/>
+            <a:ext cx="5532120" cy="461665"/>
+          </a:xfrm>
+          <a:prstGeom prst="rect">
+            <a:avLst/>
+          </a:prstGeom>
+          <a:noFill/>
+        </p:spPr>
+        <p:txBody>
+          <a:bodyPr wrap="square">
+            <a:spAutoFit/>
+          </a:bodyPr>
+          <a:lstStyle/>
+          <a:p>
+            <a:pPr algn="l"/>
+            <a:r>
+              <a:rPr lang="th-TH" sz="2400" dirty="0">
+                <a:latin typeface="TH SarabunPSK" panose="020B0500040200020003" pitchFamily="34" charset="-34"/>
+                <a:cs typeface="TH SarabunPSK" panose="020B0500040200020003" pitchFamily="34" charset="-34"/>
+              </a:rPr>
+              <a:t>โดย ผศ</a:t>
+            </a:r>
+            <a:r>
+              <a:rPr lang="en-US" sz="2400" dirty="0">
+                <a:latin typeface="TH SarabunPSK" panose="020B0500040200020003" pitchFamily="34" charset="-34"/>
+                <a:cs typeface="TH SarabunPSK" panose="020B0500040200020003" pitchFamily="34" charset="-34"/>
+              </a:rPr>
+              <a:t>. </a:t>
+            </a:r>
+            <a:r>
+              <a:rPr lang="th-TH" sz="2400" dirty="0">
+                <a:latin typeface="TH SarabunPSK" panose="020B0500040200020003" pitchFamily="34" charset="-34"/>
+                <a:cs typeface="TH SarabunPSK" panose="020B0500040200020003" pitchFamily="34" charset="-34"/>
+              </a:rPr>
+              <a:t>ดร</a:t>
+            </a:r>
+            <a:r>
+              <a:rPr lang="en-US" sz="2400" dirty="0">
+                <a:latin typeface="TH SarabunPSK" panose="020B0500040200020003" pitchFamily="34" charset="-34"/>
+                <a:cs typeface="TH SarabunPSK" panose="020B0500040200020003" pitchFamily="34" charset="-34"/>
+              </a:rPr>
+              <a:t>.</a:t>
+            </a:r>
+            <a:r>
+              <a:rPr lang="th-TH" sz="2400" dirty="0">
+                <a:latin typeface="TH SarabunPSK" panose="020B0500040200020003" pitchFamily="34" charset="-34"/>
+                <a:cs typeface="TH SarabunPSK" panose="020B0500040200020003" pitchFamily="34" charset="-34"/>
+              </a:rPr>
+              <a:t>ธนพงศ์ อินทระ สาขาวิชาสถิติ มหาวิทยาลัยขอนแก่น </a:t>
+            </a:r>
+          </a:p>
+        </p:txBody>
+      </p:sp>
     </p:spTree>
     <p:extLst>
       <p:ext uri="{BB962C8B-B14F-4D97-AF65-F5344CB8AC3E}">
@@ -20326,6 +21867,73 @@
           </a:p>
         </p:txBody>
       </p:sp>
+      <p:sp>
+        <p:nvSpPr>
+          <p:cNvPr id="9" name="TextBox 8">
+            <a:extLst>
+              <a:ext uri="{FF2B5EF4-FFF2-40B4-BE49-F238E27FC236}">
+                <a16:creationId xmlns:a16="http://schemas.microsoft.com/office/drawing/2014/main" id="{20B27F44-363F-4101-24A0-825B1F0EDF69}"/>
+              </a:ext>
+            </a:extLst>
+          </p:cNvPr>
+          <p:cNvSpPr txBox="1"/>
+          <p:nvPr/>
+        </p:nvSpPr>
+        <p:spPr>
+          <a:xfrm>
+            <a:off x="114677" y="6172611"/>
+            <a:ext cx="5532120" cy="461665"/>
+          </a:xfrm>
+          <a:prstGeom prst="rect">
+            <a:avLst/>
+          </a:prstGeom>
+          <a:noFill/>
+        </p:spPr>
+        <p:txBody>
+          <a:bodyPr wrap="square">
+            <a:spAutoFit/>
+          </a:bodyPr>
+          <a:lstStyle/>
+          <a:p>
+            <a:pPr algn="l"/>
+            <a:r>
+              <a:rPr lang="th-TH" sz="2400" dirty="0">
+                <a:latin typeface="TH SarabunPSK" panose="020B0500040200020003" pitchFamily="34" charset="-34"/>
+                <a:cs typeface="TH SarabunPSK" panose="020B0500040200020003" pitchFamily="34" charset="-34"/>
+              </a:rPr>
+              <a:t>โดย ผศ</a:t>
+            </a:r>
+            <a:r>
+              <a:rPr lang="en-US" sz="2400" dirty="0">
+                <a:latin typeface="TH SarabunPSK" panose="020B0500040200020003" pitchFamily="34" charset="-34"/>
+                <a:cs typeface="TH SarabunPSK" panose="020B0500040200020003" pitchFamily="34" charset="-34"/>
+              </a:rPr>
+              <a:t>. </a:t>
+            </a:r>
+            <a:r>
+              <a:rPr lang="th-TH" sz="2400" dirty="0">
+                <a:latin typeface="TH SarabunPSK" panose="020B0500040200020003" pitchFamily="34" charset="-34"/>
+                <a:cs typeface="TH SarabunPSK" panose="020B0500040200020003" pitchFamily="34" charset="-34"/>
+              </a:rPr>
+              <a:t>ดร</a:t>
+            </a:r>
+            <a:r>
+              <a:rPr lang="en-US" sz="2400" dirty="0">
+                <a:latin typeface="TH SarabunPSK" panose="020B0500040200020003" pitchFamily="34" charset="-34"/>
+                <a:cs typeface="TH SarabunPSK" panose="020B0500040200020003" pitchFamily="34" charset="-34"/>
+              </a:rPr>
+              <a:t>.</a:t>
+            </a:r>
+            <a:r>
+              <a:rPr lang="th-TH" sz="2400" dirty="0">
+                <a:latin typeface="TH SarabunPSK" panose="020B0500040200020003" pitchFamily="34" charset="-34"/>
+                <a:cs typeface="TH SarabunPSK" panose="020B0500040200020003" pitchFamily="34" charset="-34"/>
+              </a:rPr>
+              <a:t>ธนพงศ์ อินทระ สาขาวิชาสถิติ มหาวิทยาลัยขอนแก่น </a:t>
+            </a:r>
+          </a:p>
+        </p:txBody>
+      </p:sp>
     </p:spTree>
     <p:extLst>
       <p:ext uri="{BB962C8B-B14F-4D97-AF65-F5344CB8AC3E}">
@@ -21179,6 +22787,73 @@
           </a:p>
         </p:txBody>
       </p:sp>
+      <p:sp>
+        <p:nvSpPr>
+          <p:cNvPr id="9" name="TextBox 8">
+            <a:extLst>
+              <a:ext uri="{FF2B5EF4-FFF2-40B4-BE49-F238E27FC236}">
+                <a16:creationId xmlns:a16="http://schemas.microsoft.com/office/drawing/2014/main" id="{F2356B29-659F-0757-8F09-2D8469FC233E}"/>
+              </a:ext>
+            </a:extLst>
+          </p:cNvPr>
+          <p:cNvSpPr txBox="1"/>
+          <p:nvPr/>
+        </p:nvSpPr>
+        <p:spPr>
+          <a:xfrm>
+            <a:off x="114677" y="6172611"/>
+            <a:ext cx="5532120" cy="461665"/>
+          </a:xfrm>
+          <a:prstGeom prst="rect">
+            <a:avLst/>
+          </a:prstGeom>
+          <a:noFill/>
+        </p:spPr>
+        <p:txBody>
+          <a:bodyPr wrap="square">
+            <a:spAutoFit/>
+          </a:bodyPr>
+          <a:lstStyle/>
+          <a:p>
+            <a:pPr algn="l"/>
+            <a:r>
+              <a:rPr lang="th-TH" sz="2400" dirty="0">
+                <a:latin typeface="TH SarabunPSK" panose="020B0500040200020003" pitchFamily="34" charset="-34"/>
+                <a:cs typeface="TH SarabunPSK" panose="020B0500040200020003" pitchFamily="34" charset="-34"/>
+              </a:rPr>
+              <a:t>โดย ผศ</a:t>
+            </a:r>
+            <a:r>
+              <a:rPr lang="en-US" sz="2400" dirty="0">
+                <a:latin typeface="TH SarabunPSK" panose="020B0500040200020003" pitchFamily="34" charset="-34"/>
+                <a:cs typeface="TH SarabunPSK" panose="020B0500040200020003" pitchFamily="34" charset="-34"/>
+              </a:rPr>
+              <a:t>. </a:t>
+            </a:r>
+            <a:r>
+              <a:rPr lang="th-TH" sz="2400" dirty="0">
+                <a:latin typeface="TH SarabunPSK" panose="020B0500040200020003" pitchFamily="34" charset="-34"/>
+                <a:cs typeface="TH SarabunPSK" panose="020B0500040200020003" pitchFamily="34" charset="-34"/>
+              </a:rPr>
+              <a:t>ดร</a:t>
+            </a:r>
+            <a:r>
+              <a:rPr lang="en-US" sz="2400" dirty="0">
+                <a:latin typeface="TH SarabunPSK" panose="020B0500040200020003" pitchFamily="34" charset="-34"/>
+                <a:cs typeface="TH SarabunPSK" panose="020B0500040200020003" pitchFamily="34" charset="-34"/>
+              </a:rPr>
+              <a:t>.</a:t>
+            </a:r>
+            <a:r>
+              <a:rPr lang="th-TH" sz="2400" dirty="0">
+                <a:latin typeface="TH SarabunPSK" panose="020B0500040200020003" pitchFamily="34" charset="-34"/>
+                <a:cs typeface="TH SarabunPSK" panose="020B0500040200020003" pitchFamily="34" charset="-34"/>
+              </a:rPr>
+              <a:t>ธนพงศ์ อินทระ สาขาวิชาสถิติ มหาวิทยาลัยขอนแก่น </a:t>
+            </a:r>
+          </a:p>
+        </p:txBody>
+      </p:sp>
     </p:spTree>
     <p:extLst>
       <p:ext uri="{BB962C8B-B14F-4D97-AF65-F5344CB8AC3E}">
@@ -21867,6 +23542,73 @@
           </a:prstGeom>
         </p:spPr>
       </p:pic>
+      <p:sp>
+        <p:nvSpPr>
+          <p:cNvPr id="10" name="TextBox 9">
+            <a:extLst>
+              <a:ext uri="{FF2B5EF4-FFF2-40B4-BE49-F238E27FC236}">
+                <a16:creationId xmlns:a16="http://schemas.microsoft.com/office/drawing/2014/main" id="{54333D56-2E50-CCAC-B53A-E8E3323B91ED}"/>
+              </a:ext>
+            </a:extLst>
+          </p:cNvPr>
+          <p:cNvSpPr txBox="1"/>
+          <p:nvPr/>
+        </p:nvSpPr>
+        <p:spPr>
+          <a:xfrm>
+            <a:off x="114677" y="6172611"/>
+            <a:ext cx="5532120" cy="461665"/>
+          </a:xfrm>
+          <a:prstGeom prst="rect">
+            <a:avLst/>
+          </a:prstGeom>
+          <a:noFill/>
+        </p:spPr>
+        <p:txBody>
+          <a:bodyPr wrap="square">
+            <a:spAutoFit/>
+          </a:bodyPr>
+          <a:lstStyle/>
+          <a:p>
+            <a:pPr algn="l"/>
+            <a:r>
+              <a:rPr lang="th-TH" sz="2400" dirty="0">
+                <a:latin typeface="TH SarabunPSK" panose="020B0500040200020003" pitchFamily="34" charset="-34"/>
+                <a:cs typeface="TH SarabunPSK" panose="020B0500040200020003" pitchFamily="34" charset="-34"/>
+              </a:rPr>
+              <a:t>โดย ผศ</a:t>
+            </a:r>
+            <a:r>
+              <a:rPr lang="en-US" sz="2400" dirty="0">
+                <a:latin typeface="TH SarabunPSK" panose="020B0500040200020003" pitchFamily="34" charset="-34"/>
+                <a:cs typeface="TH SarabunPSK" panose="020B0500040200020003" pitchFamily="34" charset="-34"/>
+              </a:rPr>
+              <a:t>. </a:t>
+            </a:r>
+            <a:r>
+              <a:rPr lang="th-TH" sz="2400" dirty="0">
+                <a:latin typeface="TH SarabunPSK" panose="020B0500040200020003" pitchFamily="34" charset="-34"/>
+                <a:cs typeface="TH SarabunPSK" panose="020B0500040200020003" pitchFamily="34" charset="-34"/>
+              </a:rPr>
+              <a:t>ดร</a:t>
+            </a:r>
+            <a:r>
+              <a:rPr lang="en-US" sz="2400" dirty="0">
+                <a:latin typeface="TH SarabunPSK" panose="020B0500040200020003" pitchFamily="34" charset="-34"/>
+                <a:cs typeface="TH SarabunPSK" panose="020B0500040200020003" pitchFamily="34" charset="-34"/>
+              </a:rPr>
+              <a:t>.</a:t>
+            </a:r>
+            <a:r>
+              <a:rPr lang="th-TH" sz="2400" dirty="0">
+                <a:latin typeface="TH SarabunPSK" panose="020B0500040200020003" pitchFamily="34" charset="-34"/>
+                <a:cs typeface="TH SarabunPSK" panose="020B0500040200020003" pitchFamily="34" charset="-34"/>
+              </a:rPr>
+              <a:t>ธนพงศ์ อินทระ สาขาวิชาสถิติ มหาวิทยาลัยขอนแก่น </a:t>
+            </a:r>
+          </a:p>
+        </p:txBody>
+      </p:sp>
     </p:spTree>
     <p:extLst>
       <p:ext uri="{BB962C8B-B14F-4D97-AF65-F5344CB8AC3E}">
@@ -22559,6 +24301,73 @@
                 <a:latin typeface="Courier New" panose="02070309020205020404" pitchFamily="49" charset="0"/>
               </a:rPr>
               <a:t> </a:t>
+            </a:r>
+          </a:p>
+        </p:txBody>
+      </p:sp>
+      <p:sp>
+        <p:nvSpPr>
+          <p:cNvPr id="9" name="TextBox 8">
+            <a:extLst>
+              <a:ext uri="{FF2B5EF4-FFF2-40B4-BE49-F238E27FC236}">
+                <a16:creationId xmlns:a16="http://schemas.microsoft.com/office/drawing/2014/main" id="{8476C0DE-7BAB-7C67-FB01-9478EB521609}"/>
+              </a:ext>
+            </a:extLst>
+          </p:cNvPr>
+          <p:cNvSpPr txBox="1"/>
+          <p:nvPr/>
+        </p:nvSpPr>
+        <p:spPr>
+          <a:xfrm>
+            <a:off x="114677" y="6172611"/>
+            <a:ext cx="5532120" cy="461665"/>
+          </a:xfrm>
+          <a:prstGeom prst="rect">
+            <a:avLst/>
+          </a:prstGeom>
+          <a:noFill/>
+        </p:spPr>
+        <p:txBody>
+          <a:bodyPr wrap="square">
+            <a:spAutoFit/>
+          </a:bodyPr>
+          <a:lstStyle/>
+          <a:p>
+            <a:pPr algn="l"/>
+            <a:r>
+              <a:rPr lang="th-TH" sz="2400" dirty="0">
+                <a:latin typeface="TH SarabunPSK" panose="020B0500040200020003" pitchFamily="34" charset="-34"/>
+                <a:cs typeface="TH SarabunPSK" panose="020B0500040200020003" pitchFamily="34" charset="-34"/>
+              </a:rPr>
+              <a:t>โดย ผศ</a:t>
+            </a:r>
+            <a:r>
+              <a:rPr lang="en-US" sz="2400" dirty="0">
+                <a:latin typeface="TH SarabunPSK" panose="020B0500040200020003" pitchFamily="34" charset="-34"/>
+                <a:cs typeface="TH SarabunPSK" panose="020B0500040200020003" pitchFamily="34" charset="-34"/>
+              </a:rPr>
+              <a:t>. </a:t>
+            </a:r>
+            <a:r>
+              <a:rPr lang="th-TH" sz="2400" dirty="0">
+                <a:latin typeface="TH SarabunPSK" panose="020B0500040200020003" pitchFamily="34" charset="-34"/>
+                <a:cs typeface="TH SarabunPSK" panose="020B0500040200020003" pitchFamily="34" charset="-34"/>
+              </a:rPr>
+              <a:t>ดร</a:t>
+            </a:r>
+            <a:r>
+              <a:rPr lang="en-US" sz="2400" dirty="0">
+                <a:latin typeface="TH SarabunPSK" panose="020B0500040200020003" pitchFamily="34" charset="-34"/>
+                <a:cs typeface="TH SarabunPSK" panose="020B0500040200020003" pitchFamily="34" charset="-34"/>
+              </a:rPr>
+              <a:t>.</a:t>
+            </a:r>
+            <a:r>
+              <a:rPr lang="th-TH" sz="2400" dirty="0">
+                <a:latin typeface="TH SarabunPSK" panose="020B0500040200020003" pitchFamily="34" charset="-34"/>
+                <a:cs typeface="TH SarabunPSK" panose="020B0500040200020003" pitchFamily="34" charset="-34"/>
+              </a:rPr>
+              <a:t>ธนพงศ์ อินทระ สาขาวิชาสถิติ มหาวิทยาลัยขอนแก่น </a:t>
             </a:r>
           </a:p>
         </p:txBody>
